--- a/2022-2023/Wyk/Wyklad7.pptx
+++ b/2022-2023/Wyk/Wyklad7.pptx
@@ -5,10 +5,10 @@
     <p:sldMasterId id="2147483696" r:id="rId1"/>
   </p:sldMasterIdLst>
   <p:notesMasterIdLst>
-    <p:notesMasterId r:id="rId22"/>
+    <p:notesMasterId r:id="rId31"/>
   </p:notesMasterIdLst>
   <p:handoutMasterIdLst>
-    <p:handoutMasterId r:id="rId23"/>
+    <p:handoutMasterId r:id="rId32"/>
   </p:handoutMasterIdLst>
   <p:sldIdLst>
     <p:sldId id="346" r:id="rId2"/>
@@ -31,6 +31,15 @@
     <p:sldId id="366" r:id="rId19"/>
     <p:sldId id="367" r:id="rId20"/>
     <p:sldId id="368" r:id="rId21"/>
+    <p:sldId id="369" r:id="rId22"/>
+    <p:sldId id="370" r:id="rId23"/>
+    <p:sldId id="371" r:id="rId24"/>
+    <p:sldId id="377" r:id="rId25"/>
+    <p:sldId id="372" r:id="rId26"/>
+    <p:sldId id="374" r:id="rId27"/>
+    <p:sldId id="375" r:id="rId28"/>
+    <p:sldId id="378" r:id="rId29"/>
+    <p:sldId id="376" r:id="rId30"/>
   </p:sldIdLst>
   <p:sldSz cx="9144000" cy="6858000" type="screen4x3"/>
   <p:notesSz cx="6858000" cy="9144000"/>
@@ -291,7 +300,7 @@
           <a:p>
             <a:fld id="{5113504E-0C99-2340-A5F6-DD6E1A87C372}" type="datetimeFigureOut">
               <a:rPr lang="pl-PL" smtClean="0"/>
-              <a:t>25.11.2022</a:t>
+              <a:t>27.11.2022</a:t>
             </a:fld>
             <a:endParaRPr lang="pl-PL"/>
           </a:p>
@@ -457,7 +466,7 @@
           <a:p>
             <a:fld id="{F78C933E-44E9-2D43-91B0-0D2BEEFA7EB9}" type="datetimeFigureOut">
               <a:rPr lang="pl-PL" smtClean="0"/>
-              <a:t>25.11.2022</a:t>
+              <a:t>27.11.2022</a:t>
             </a:fld>
             <a:endParaRPr lang="pl-PL"/>
           </a:p>
@@ -1853,6 +1862,789 @@
 </p:notes>
 </file>
 
+<file path=ppt/notesSlides/notesSlide21.xml><?xml version="1.0" encoding="utf-8"?>
+<p:notes xmlns:a="http://schemas.openxmlformats.org/drawingml/2006/main" xmlns:r="http://schemas.openxmlformats.org/officeDocument/2006/relationships" xmlns:p="http://schemas.openxmlformats.org/presentationml/2006/main">
+  <p:cSld>
+    <p:spTree>
+      <p:nvGrpSpPr>
+        <p:cNvPr id="1" name=""/>
+        <p:cNvGrpSpPr/>
+        <p:nvPr/>
+      </p:nvGrpSpPr>
+      <p:grpSpPr>
+        <a:xfrm>
+          <a:off x="0" y="0"/>
+          <a:ext cx="0" cy="0"/>
+          <a:chOff x="0" y="0"/>
+          <a:chExt cx="0" cy="0"/>
+        </a:xfrm>
+      </p:grpSpPr>
+      <p:sp>
+        <p:nvSpPr>
+          <p:cNvPr id="2" name="Slide Image Placeholder 1"/>
+          <p:cNvSpPr>
+            <a:spLocks noGrp="1" noRot="1" noChangeAspect="1"/>
+          </p:cNvSpPr>
+          <p:nvPr>
+            <p:ph type="sldImg"/>
+          </p:nvPr>
+        </p:nvSpPr>
+        <p:spPr/>
+      </p:sp>
+      <p:sp>
+        <p:nvSpPr>
+          <p:cNvPr id="3" name="Notes Placeholder 2"/>
+          <p:cNvSpPr>
+            <a:spLocks noGrp="1"/>
+          </p:cNvSpPr>
+          <p:nvPr>
+            <p:ph type="body" idx="1"/>
+          </p:nvPr>
+        </p:nvSpPr>
+        <p:spPr/>
+        <p:txBody>
+          <a:bodyPr/>
+          <a:lstStyle/>
+          <a:p>
+            <a:pPr rtl="0"/>
+            <a:endParaRPr lang="pl-PL" dirty="0">
+              <a:effectLst/>
+            </a:endParaRPr>
+          </a:p>
+        </p:txBody>
+      </p:sp>
+      <p:sp>
+        <p:nvSpPr>
+          <p:cNvPr id="4" name="Slide Number Placeholder 3"/>
+          <p:cNvSpPr>
+            <a:spLocks noGrp="1"/>
+          </p:cNvSpPr>
+          <p:nvPr>
+            <p:ph type="sldNum" sz="quarter" idx="10"/>
+          </p:nvPr>
+        </p:nvSpPr>
+        <p:spPr/>
+        <p:txBody>
+          <a:bodyPr/>
+          <a:lstStyle/>
+          <a:p>
+            <a:fld id="{79CE77F9-1A7F-B148-A0AA-5828300D10BC}" type="slidenum">
+              <a:rPr lang="pl-PL" smtClean="0"/>
+              <a:t>21</a:t>
+            </a:fld>
+            <a:endParaRPr lang="pl-PL"/>
+          </a:p>
+        </p:txBody>
+      </p:sp>
+    </p:spTree>
+    <p:extLst>
+      <p:ext uri="{BB962C8B-B14F-4D97-AF65-F5344CB8AC3E}">
+        <p14:creationId xmlns:p14="http://schemas.microsoft.com/office/powerpoint/2010/main" val="3550070296"/>
+      </p:ext>
+    </p:extLst>
+  </p:cSld>
+  <p:clrMapOvr>
+    <a:masterClrMapping/>
+  </p:clrMapOvr>
+</p:notes>
+</file>
+
+<file path=ppt/notesSlides/notesSlide22.xml><?xml version="1.0" encoding="utf-8"?>
+<p:notes xmlns:a="http://schemas.openxmlformats.org/drawingml/2006/main" xmlns:r="http://schemas.openxmlformats.org/officeDocument/2006/relationships" xmlns:p="http://schemas.openxmlformats.org/presentationml/2006/main">
+  <p:cSld>
+    <p:spTree>
+      <p:nvGrpSpPr>
+        <p:cNvPr id="1" name=""/>
+        <p:cNvGrpSpPr/>
+        <p:nvPr/>
+      </p:nvGrpSpPr>
+      <p:grpSpPr>
+        <a:xfrm>
+          <a:off x="0" y="0"/>
+          <a:ext cx="0" cy="0"/>
+          <a:chOff x="0" y="0"/>
+          <a:chExt cx="0" cy="0"/>
+        </a:xfrm>
+      </p:grpSpPr>
+      <p:sp>
+        <p:nvSpPr>
+          <p:cNvPr id="2" name="Slide Image Placeholder 1"/>
+          <p:cNvSpPr>
+            <a:spLocks noGrp="1" noRot="1" noChangeAspect="1"/>
+          </p:cNvSpPr>
+          <p:nvPr>
+            <p:ph type="sldImg"/>
+          </p:nvPr>
+        </p:nvSpPr>
+        <p:spPr/>
+      </p:sp>
+      <p:sp>
+        <p:nvSpPr>
+          <p:cNvPr id="3" name="Notes Placeholder 2"/>
+          <p:cNvSpPr>
+            <a:spLocks noGrp="1"/>
+          </p:cNvSpPr>
+          <p:nvPr>
+            <p:ph type="body" idx="1"/>
+          </p:nvPr>
+        </p:nvSpPr>
+        <p:spPr/>
+        <p:txBody>
+          <a:bodyPr/>
+          <a:lstStyle/>
+          <a:p>
+            <a:pPr rtl="0"/>
+            <a:endParaRPr lang="pl-PL" dirty="0">
+              <a:effectLst/>
+            </a:endParaRPr>
+          </a:p>
+        </p:txBody>
+      </p:sp>
+      <p:sp>
+        <p:nvSpPr>
+          <p:cNvPr id="4" name="Slide Number Placeholder 3"/>
+          <p:cNvSpPr>
+            <a:spLocks noGrp="1"/>
+          </p:cNvSpPr>
+          <p:nvPr>
+            <p:ph type="sldNum" sz="quarter" idx="10"/>
+          </p:nvPr>
+        </p:nvSpPr>
+        <p:spPr/>
+        <p:txBody>
+          <a:bodyPr/>
+          <a:lstStyle/>
+          <a:p>
+            <a:fld id="{79CE77F9-1A7F-B148-A0AA-5828300D10BC}" type="slidenum">
+              <a:rPr lang="pl-PL" smtClean="0"/>
+              <a:t>22</a:t>
+            </a:fld>
+            <a:endParaRPr lang="pl-PL"/>
+          </a:p>
+        </p:txBody>
+      </p:sp>
+    </p:spTree>
+    <p:extLst>
+      <p:ext uri="{BB962C8B-B14F-4D97-AF65-F5344CB8AC3E}">
+        <p14:creationId xmlns:p14="http://schemas.microsoft.com/office/powerpoint/2010/main" val="849089761"/>
+      </p:ext>
+    </p:extLst>
+  </p:cSld>
+  <p:clrMapOvr>
+    <a:masterClrMapping/>
+  </p:clrMapOvr>
+</p:notes>
+</file>
+
+<file path=ppt/notesSlides/notesSlide23.xml><?xml version="1.0" encoding="utf-8"?>
+<p:notes xmlns:a="http://schemas.openxmlformats.org/drawingml/2006/main" xmlns:r="http://schemas.openxmlformats.org/officeDocument/2006/relationships" xmlns:p="http://schemas.openxmlformats.org/presentationml/2006/main">
+  <p:cSld>
+    <p:spTree>
+      <p:nvGrpSpPr>
+        <p:cNvPr id="1" name=""/>
+        <p:cNvGrpSpPr/>
+        <p:nvPr/>
+      </p:nvGrpSpPr>
+      <p:grpSpPr>
+        <a:xfrm>
+          <a:off x="0" y="0"/>
+          <a:ext cx="0" cy="0"/>
+          <a:chOff x="0" y="0"/>
+          <a:chExt cx="0" cy="0"/>
+        </a:xfrm>
+      </p:grpSpPr>
+      <p:sp>
+        <p:nvSpPr>
+          <p:cNvPr id="2" name="Slide Image Placeholder 1"/>
+          <p:cNvSpPr>
+            <a:spLocks noGrp="1" noRot="1" noChangeAspect="1"/>
+          </p:cNvSpPr>
+          <p:nvPr>
+            <p:ph type="sldImg"/>
+          </p:nvPr>
+        </p:nvSpPr>
+        <p:spPr/>
+      </p:sp>
+      <p:sp>
+        <p:nvSpPr>
+          <p:cNvPr id="3" name="Notes Placeholder 2"/>
+          <p:cNvSpPr>
+            <a:spLocks noGrp="1"/>
+          </p:cNvSpPr>
+          <p:nvPr>
+            <p:ph type="body" idx="1"/>
+          </p:nvPr>
+        </p:nvSpPr>
+        <p:spPr/>
+        <p:txBody>
+          <a:bodyPr/>
+          <a:lstStyle/>
+          <a:p>
+            <a:pPr rtl="0"/>
+            <a:endParaRPr lang="pl-PL" dirty="0">
+              <a:effectLst/>
+            </a:endParaRPr>
+          </a:p>
+        </p:txBody>
+      </p:sp>
+      <p:sp>
+        <p:nvSpPr>
+          <p:cNvPr id="4" name="Slide Number Placeholder 3"/>
+          <p:cNvSpPr>
+            <a:spLocks noGrp="1"/>
+          </p:cNvSpPr>
+          <p:nvPr>
+            <p:ph type="sldNum" sz="quarter" idx="10"/>
+          </p:nvPr>
+        </p:nvSpPr>
+        <p:spPr/>
+        <p:txBody>
+          <a:bodyPr/>
+          <a:lstStyle/>
+          <a:p>
+            <a:fld id="{79CE77F9-1A7F-B148-A0AA-5828300D10BC}" type="slidenum">
+              <a:rPr lang="pl-PL" smtClean="0"/>
+              <a:t>23</a:t>
+            </a:fld>
+            <a:endParaRPr lang="pl-PL"/>
+          </a:p>
+        </p:txBody>
+      </p:sp>
+    </p:spTree>
+    <p:extLst>
+      <p:ext uri="{BB962C8B-B14F-4D97-AF65-F5344CB8AC3E}">
+        <p14:creationId xmlns:p14="http://schemas.microsoft.com/office/powerpoint/2010/main" val="1593234817"/>
+      </p:ext>
+    </p:extLst>
+  </p:cSld>
+  <p:clrMapOvr>
+    <a:masterClrMapping/>
+  </p:clrMapOvr>
+</p:notes>
+</file>
+
+<file path=ppt/notesSlides/notesSlide24.xml><?xml version="1.0" encoding="utf-8"?>
+<p:notes xmlns:a="http://schemas.openxmlformats.org/drawingml/2006/main" xmlns:r="http://schemas.openxmlformats.org/officeDocument/2006/relationships" xmlns:p="http://schemas.openxmlformats.org/presentationml/2006/main">
+  <p:cSld>
+    <p:spTree>
+      <p:nvGrpSpPr>
+        <p:cNvPr id="1" name=""/>
+        <p:cNvGrpSpPr/>
+        <p:nvPr/>
+      </p:nvGrpSpPr>
+      <p:grpSpPr>
+        <a:xfrm>
+          <a:off x="0" y="0"/>
+          <a:ext cx="0" cy="0"/>
+          <a:chOff x="0" y="0"/>
+          <a:chExt cx="0" cy="0"/>
+        </a:xfrm>
+      </p:grpSpPr>
+      <p:sp>
+        <p:nvSpPr>
+          <p:cNvPr id="2" name="Slide Image Placeholder 1"/>
+          <p:cNvSpPr>
+            <a:spLocks noGrp="1" noRot="1" noChangeAspect="1"/>
+          </p:cNvSpPr>
+          <p:nvPr>
+            <p:ph type="sldImg"/>
+          </p:nvPr>
+        </p:nvSpPr>
+        <p:spPr/>
+      </p:sp>
+      <p:sp>
+        <p:nvSpPr>
+          <p:cNvPr id="3" name="Notes Placeholder 2"/>
+          <p:cNvSpPr>
+            <a:spLocks noGrp="1"/>
+          </p:cNvSpPr>
+          <p:nvPr>
+            <p:ph type="body" idx="1"/>
+          </p:nvPr>
+        </p:nvSpPr>
+        <p:spPr/>
+        <p:txBody>
+          <a:bodyPr/>
+          <a:lstStyle/>
+          <a:p>
+            <a:pPr rtl="0"/>
+            <a:endParaRPr lang="pl-PL" dirty="0">
+              <a:effectLst/>
+            </a:endParaRPr>
+          </a:p>
+        </p:txBody>
+      </p:sp>
+      <p:sp>
+        <p:nvSpPr>
+          <p:cNvPr id="4" name="Slide Number Placeholder 3"/>
+          <p:cNvSpPr>
+            <a:spLocks noGrp="1"/>
+          </p:cNvSpPr>
+          <p:nvPr>
+            <p:ph type="sldNum" sz="quarter" idx="10"/>
+          </p:nvPr>
+        </p:nvSpPr>
+        <p:spPr/>
+        <p:txBody>
+          <a:bodyPr/>
+          <a:lstStyle/>
+          <a:p>
+            <a:fld id="{79CE77F9-1A7F-B148-A0AA-5828300D10BC}" type="slidenum">
+              <a:rPr lang="pl-PL" smtClean="0"/>
+              <a:t>24</a:t>
+            </a:fld>
+            <a:endParaRPr lang="pl-PL"/>
+          </a:p>
+        </p:txBody>
+      </p:sp>
+    </p:spTree>
+    <p:extLst>
+      <p:ext uri="{BB962C8B-B14F-4D97-AF65-F5344CB8AC3E}">
+        <p14:creationId xmlns:p14="http://schemas.microsoft.com/office/powerpoint/2010/main" val="2206135386"/>
+      </p:ext>
+    </p:extLst>
+  </p:cSld>
+  <p:clrMapOvr>
+    <a:masterClrMapping/>
+  </p:clrMapOvr>
+</p:notes>
+</file>
+
+<file path=ppt/notesSlides/notesSlide25.xml><?xml version="1.0" encoding="utf-8"?>
+<p:notes xmlns:a="http://schemas.openxmlformats.org/drawingml/2006/main" xmlns:r="http://schemas.openxmlformats.org/officeDocument/2006/relationships" xmlns:p="http://schemas.openxmlformats.org/presentationml/2006/main">
+  <p:cSld>
+    <p:spTree>
+      <p:nvGrpSpPr>
+        <p:cNvPr id="1" name=""/>
+        <p:cNvGrpSpPr/>
+        <p:nvPr/>
+      </p:nvGrpSpPr>
+      <p:grpSpPr>
+        <a:xfrm>
+          <a:off x="0" y="0"/>
+          <a:ext cx="0" cy="0"/>
+          <a:chOff x="0" y="0"/>
+          <a:chExt cx="0" cy="0"/>
+        </a:xfrm>
+      </p:grpSpPr>
+      <p:sp>
+        <p:nvSpPr>
+          <p:cNvPr id="2" name="Slide Image Placeholder 1"/>
+          <p:cNvSpPr>
+            <a:spLocks noGrp="1" noRot="1" noChangeAspect="1"/>
+          </p:cNvSpPr>
+          <p:nvPr>
+            <p:ph type="sldImg"/>
+          </p:nvPr>
+        </p:nvSpPr>
+        <p:spPr/>
+      </p:sp>
+      <p:sp>
+        <p:nvSpPr>
+          <p:cNvPr id="3" name="Notes Placeholder 2"/>
+          <p:cNvSpPr>
+            <a:spLocks noGrp="1"/>
+          </p:cNvSpPr>
+          <p:nvPr>
+            <p:ph type="body" idx="1"/>
+          </p:nvPr>
+        </p:nvSpPr>
+        <p:spPr/>
+        <p:txBody>
+          <a:bodyPr/>
+          <a:lstStyle/>
+          <a:p>
+            <a:pPr rtl="0"/>
+            <a:endParaRPr lang="pl-PL" dirty="0">
+              <a:effectLst/>
+            </a:endParaRPr>
+          </a:p>
+        </p:txBody>
+      </p:sp>
+      <p:sp>
+        <p:nvSpPr>
+          <p:cNvPr id="4" name="Slide Number Placeholder 3"/>
+          <p:cNvSpPr>
+            <a:spLocks noGrp="1"/>
+          </p:cNvSpPr>
+          <p:nvPr>
+            <p:ph type="sldNum" sz="quarter" idx="10"/>
+          </p:nvPr>
+        </p:nvSpPr>
+        <p:spPr/>
+        <p:txBody>
+          <a:bodyPr/>
+          <a:lstStyle/>
+          <a:p>
+            <a:fld id="{79CE77F9-1A7F-B148-A0AA-5828300D10BC}" type="slidenum">
+              <a:rPr lang="pl-PL" smtClean="0"/>
+              <a:t>25</a:t>
+            </a:fld>
+            <a:endParaRPr lang="pl-PL"/>
+          </a:p>
+        </p:txBody>
+      </p:sp>
+    </p:spTree>
+    <p:extLst>
+      <p:ext uri="{BB962C8B-B14F-4D97-AF65-F5344CB8AC3E}">
+        <p14:creationId xmlns:p14="http://schemas.microsoft.com/office/powerpoint/2010/main" val="234335696"/>
+      </p:ext>
+    </p:extLst>
+  </p:cSld>
+  <p:clrMapOvr>
+    <a:masterClrMapping/>
+  </p:clrMapOvr>
+</p:notes>
+</file>
+
+<file path=ppt/notesSlides/notesSlide26.xml><?xml version="1.0" encoding="utf-8"?>
+<p:notes xmlns:a="http://schemas.openxmlformats.org/drawingml/2006/main" xmlns:r="http://schemas.openxmlformats.org/officeDocument/2006/relationships" xmlns:p="http://schemas.openxmlformats.org/presentationml/2006/main">
+  <p:cSld>
+    <p:spTree>
+      <p:nvGrpSpPr>
+        <p:cNvPr id="1" name=""/>
+        <p:cNvGrpSpPr/>
+        <p:nvPr/>
+      </p:nvGrpSpPr>
+      <p:grpSpPr>
+        <a:xfrm>
+          <a:off x="0" y="0"/>
+          <a:ext cx="0" cy="0"/>
+          <a:chOff x="0" y="0"/>
+          <a:chExt cx="0" cy="0"/>
+        </a:xfrm>
+      </p:grpSpPr>
+      <p:sp>
+        <p:nvSpPr>
+          <p:cNvPr id="2" name="Slide Image Placeholder 1"/>
+          <p:cNvSpPr>
+            <a:spLocks noGrp="1" noRot="1" noChangeAspect="1"/>
+          </p:cNvSpPr>
+          <p:nvPr>
+            <p:ph type="sldImg"/>
+          </p:nvPr>
+        </p:nvSpPr>
+        <p:spPr/>
+      </p:sp>
+      <p:sp>
+        <p:nvSpPr>
+          <p:cNvPr id="3" name="Notes Placeholder 2"/>
+          <p:cNvSpPr>
+            <a:spLocks noGrp="1"/>
+          </p:cNvSpPr>
+          <p:nvPr>
+            <p:ph type="body" idx="1"/>
+          </p:nvPr>
+        </p:nvSpPr>
+        <p:spPr/>
+        <p:txBody>
+          <a:bodyPr/>
+          <a:lstStyle/>
+          <a:p>
+            <a:pPr rtl="0"/>
+            <a:endParaRPr lang="pl-PL" dirty="0">
+              <a:effectLst/>
+            </a:endParaRPr>
+          </a:p>
+        </p:txBody>
+      </p:sp>
+      <p:sp>
+        <p:nvSpPr>
+          <p:cNvPr id="4" name="Slide Number Placeholder 3"/>
+          <p:cNvSpPr>
+            <a:spLocks noGrp="1"/>
+          </p:cNvSpPr>
+          <p:nvPr>
+            <p:ph type="sldNum" sz="quarter" idx="10"/>
+          </p:nvPr>
+        </p:nvSpPr>
+        <p:spPr/>
+        <p:txBody>
+          <a:bodyPr/>
+          <a:lstStyle/>
+          <a:p>
+            <a:fld id="{79CE77F9-1A7F-B148-A0AA-5828300D10BC}" type="slidenum">
+              <a:rPr lang="pl-PL" smtClean="0"/>
+              <a:t>26</a:t>
+            </a:fld>
+            <a:endParaRPr lang="pl-PL"/>
+          </a:p>
+        </p:txBody>
+      </p:sp>
+    </p:spTree>
+    <p:extLst>
+      <p:ext uri="{BB962C8B-B14F-4D97-AF65-F5344CB8AC3E}">
+        <p14:creationId xmlns:p14="http://schemas.microsoft.com/office/powerpoint/2010/main" val="3290796140"/>
+      </p:ext>
+    </p:extLst>
+  </p:cSld>
+  <p:clrMapOvr>
+    <a:masterClrMapping/>
+  </p:clrMapOvr>
+</p:notes>
+</file>
+
+<file path=ppt/notesSlides/notesSlide27.xml><?xml version="1.0" encoding="utf-8"?>
+<p:notes xmlns:a="http://schemas.openxmlformats.org/drawingml/2006/main" xmlns:r="http://schemas.openxmlformats.org/officeDocument/2006/relationships" xmlns:p="http://schemas.openxmlformats.org/presentationml/2006/main">
+  <p:cSld>
+    <p:spTree>
+      <p:nvGrpSpPr>
+        <p:cNvPr id="1" name=""/>
+        <p:cNvGrpSpPr/>
+        <p:nvPr/>
+      </p:nvGrpSpPr>
+      <p:grpSpPr>
+        <a:xfrm>
+          <a:off x="0" y="0"/>
+          <a:ext cx="0" cy="0"/>
+          <a:chOff x="0" y="0"/>
+          <a:chExt cx="0" cy="0"/>
+        </a:xfrm>
+      </p:grpSpPr>
+      <p:sp>
+        <p:nvSpPr>
+          <p:cNvPr id="2" name="Slide Image Placeholder 1"/>
+          <p:cNvSpPr>
+            <a:spLocks noGrp="1" noRot="1" noChangeAspect="1"/>
+          </p:cNvSpPr>
+          <p:nvPr>
+            <p:ph type="sldImg"/>
+          </p:nvPr>
+        </p:nvSpPr>
+        <p:spPr/>
+      </p:sp>
+      <p:sp>
+        <p:nvSpPr>
+          <p:cNvPr id="3" name="Notes Placeholder 2"/>
+          <p:cNvSpPr>
+            <a:spLocks noGrp="1"/>
+          </p:cNvSpPr>
+          <p:nvPr>
+            <p:ph type="body" idx="1"/>
+          </p:nvPr>
+        </p:nvSpPr>
+        <p:spPr/>
+        <p:txBody>
+          <a:bodyPr/>
+          <a:lstStyle/>
+          <a:p>
+            <a:pPr rtl="0"/>
+            <a:endParaRPr lang="pl-PL" dirty="0">
+              <a:effectLst/>
+            </a:endParaRPr>
+          </a:p>
+        </p:txBody>
+      </p:sp>
+      <p:sp>
+        <p:nvSpPr>
+          <p:cNvPr id="4" name="Slide Number Placeholder 3"/>
+          <p:cNvSpPr>
+            <a:spLocks noGrp="1"/>
+          </p:cNvSpPr>
+          <p:nvPr>
+            <p:ph type="sldNum" sz="quarter" idx="10"/>
+          </p:nvPr>
+        </p:nvSpPr>
+        <p:spPr/>
+        <p:txBody>
+          <a:bodyPr/>
+          <a:lstStyle/>
+          <a:p>
+            <a:fld id="{79CE77F9-1A7F-B148-A0AA-5828300D10BC}" type="slidenum">
+              <a:rPr lang="pl-PL" smtClean="0"/>
+              <a:t>27</a:t>
+            </a:fld>
+            <a:endParaRPr lang="pl-PL"/>
+          </a:p>
+        </p:txBody>
+      </p:sp>
+    </p:spTree>
+    <p:extLst>
+      <p:ext uri="{BB962C8B-B14F-4D97-AF65-F5344CB8AC3E}">
+        <p14:creationId xmlns:p14="http://schemas.microsoft.com/office/powerpoint/2010/main" val="1382816536"/>
+      </p:ext>
+    </p:extLst>
+  </p:cSld>
+  <p:clrMapOvr>
+    <a:masterClrMapping/>
+  </p:clrMapOvr>
+</p:notes>
+</file>
+
+<file path=ppt/notesSlides/notesSlide28.xml><?xml version="1.0" encoding="utf-8"?>
+<p:notes xmlns:a="http://schemas.openxmlformats.org/drawingml/2006/main" xmlns:r="http://schemas.openxmlformats.org/officeDocument/2006/relationships" xmlns:p="http://schemas.openxmlformats.org/presentationml/2006/main">
+  <p:cSld>
+    <p:spTree>
+      <p:nvGrpSpPr>
+        <p:cNvPr id="1" name=""/>
+        <p:cNvGrpSpPr/>
+        <p:nvPr/>
+      </p:nvGrpSpPr>
+      <p:grpSpPr>
+        <a:xfrm>
+          <a:off x="0" y="0"/>
+          <a:ext cx="0" cy="0"/>
+          <a:chOff x="0" y="0"/>
+          <a:chExt cx="0" cy="0"/>
+        </a:xfrm>
+      </p:grpSpPr>
+      <p:sp>
+        <p:nvSpPr>
+          <p:cNvPr id="2" name="Slide Image Placeholder 1"/>
+          <p:cNvSpPr>
+            <a:spLocks noGrp="1" noRot="1" noChangeAspect="1"/>
+          </p:cNvSpPr>
+          <p:nvPr>
+            <p:ph type="sldImg"/>
+          </p:nvPr>
+        </p:nvSpPr>
+        <p:spPr/>
+      </p:sp>
+      <p:sp>
+        <p:nvSpPr>
+          <p:cNvPr id="3" name="Notes Placeholder 2"/>
+          <p:cNvSpPr>
+            <a:spLocks noGrp="1"/>
+          </p:cNvSpPr>
+          <p:nvPr>
+            <p:ph type="body" idx="1"/>
+          </p:nvPr>
+        </p:nvSpPr>
+        <p:spPr/>
+        <p:txBody>
+          <a:bodyPr/>
+          <a:lstStyle/>
+          <a:p>
+            <a:pPr rtl="0"/>
+            <a:endParaRPr lang="pl-PL" dirty="0">
+              <a:effectLst/>
+            </a:endParaRPr>
+          </a:p>
+        </p:txBody>
+      </p:sp>
+      <p:sp>
+        <p:nvSpPr>
+          <p:cNvPr id="4" name="Slide Number Placeholder 3"/>
+          <p:cNvSpPr>
+            <a:spLocks noGrp="1"/>
+          </p:cNvSpPr>
+          <p:nvPr>
+            <p:ph type="sldNum" sz="quarter" idx="10"/>
+          </p:nvPr>
+        </p:nvSpPr>
+        <p:spPr/>
+        <p:txBody>
+          <a:bodyPr/>
+          <a:lstStyle/>
+          <a:p>
+            <a:fld id="{79CE77F9-1A7F-B148-A0AA-5828300D10BC}" type="slidenum">
+              <a:rPr lang="pl-PL" smtClean="0"/>
+              <a:t>28</a:t>
+            </a:fld>
+            <a:endParaRPr lang="pl-PL"/>
+          </a:p>
+        </p:txBody>
+      </p:sp>
+    </p:spTree>
+    <p:extLst>
+      <p:ext uri="{BB962C8B-B14F-4D97-AF65-F5344CB8AC3E}">
+        <p14:creationId xmlns:p14="http://schemas.microsoft.com/office/powerpoint/2010/main" val="464612784"/>
+      </p:ext>
+    </p:extLst>
+  </p:cSld>
+  <p:clrMapOvr>
+    <a:masterClrMapping/>
+  </p:clrMapOvr>
+</p:notes>
+</file>
+
+<file path=ppt/notesSlides/notesSlide29.xml><?xml version="1.0" encoding="utf-8"?>
+<p:notes xmlns:a="http://schemas.openxmlformats.org/drawingml/2006/main" xmlns:r="http://schemas.openxmlformats.org/officeDocument/2006/relationships" xmlns:p="http://schemas.openxmlformats.org/presentationml/2006/main">
+  <p:cSld>
+    <p:spTree>
+      <p:nvGrpSpPr>
+        <p:cNvPr id="1" name=""/>
+        <p:cNvGrpSpPr/>
+        <p:nvPr/>
+      </p:nvGrpSpPr>
+      <p:grpSpPr>
+        <a:xfrm>
+          <a:off x="0" y="0"/>
+          <a:ext cx="0" cy="0"/>
+          <a:chOff x="0" y="0"/>
+          <a:chExt cx="0" cy="0"/>
+        </a:xfrm>
+      </p:grpSpPr>
+      <p:sp>
+        <p:nvSpPr>
+          <p:cNvPr id="2" name="Slide Image Placeholder 1"/>
+          <p:cNvSpPr>
+            <a:spLocks noGrp="1" noRot="1" noChangeAspect="1"/>
+          </p:cNvSpPr>
+          <p:nvPr>
+            <p:ph type="sldImg"/>
+          </p:nvPr>
+        </p:nvSpPr>
+        <p:spPr/>
+      </p:sp>
+      <p:sp>
+        <p:nvSpPr>
+          <p:cNvPr id="3" name="Notes Placeholder 2"/>
+          <p:cNvSpPr>
+            <a:spLocks noGrp="1"/>
+          </p:cNvSpPr>
+          <p:nvPr>
+            <p:ph type="body" idx="1"/>
+          </p:nvPr>
+        </p:nvSpPr>
+        <p:spPr/>
+        <p:txBody>
+          <a:bodyPr/>
+          <a:lstStyle/>
+          <a:p>
+            <a:pPr rtl="0"/>
+            <a:endParaRPr lang="pl-PL" dirty="0">
+              <a:effectLst/>
+            </a:endParaRPr>
+          </a:p>
+        </p:txBody>
+      </p:sp>
+      <p:sp>
+        <p:nvSpPr>
+          <p:cNvPr id="4" name="Slide Number Placeholder 3"/>
+          <p:cNvSpPr>
+            <a:spLocks noGrp="1"/>
+          </p:cNvSpPr>
+          <p:nvPr>
+            <p:ph type="sldNum" sz="quarter" idx="10"/>
+          </p:nvPr>
+        </p:nvSpPr>
+        <p:spPr/>
+        <p:txBody>
+          <a:bodyPr/>
+          <a:lstStyle/>
+          <a:p>
+            <a:fld id="{79CE77F9-1A7F-B148-A0AA-5828300D10BC}" type="slidenum">
+              <a:rPr lang="pl-PL" smtClean="0"/>
+              <a:t>29</a:t>
+            </a:fld>
+            <a:endParaRPr lang="pl-PL"/>
+          </a:p>
+        </p:txBody>
+      </p:sp>
+    </p:spTree>
+    <p:extLst>
+      <p:ext uri="{BB962C8B-B14F-4D97-AF65-F5344CB8AC3E}">
+        <p14:creationId xmlns:p14="http://schemas.microsoft.com/office/powerpoint/2010/main" val="3366159843"/>
+      </p:ext>
+    </p:extLst>
+  </p:cSld>
+  <p:clrMapOvr>
+    <a:masterClrMapping/>
+  </p:clrMapOvr>
+</p:notes>
+</file>
+
 <file path=ppt/notesSlides/notesSlide3.xml><?xml version="1.0" encoding="utf-8"?>
 <p:notes xmlns:a="http://schemas.openxmlformats.org/drawingml/2006/main" xmlns:r="http://schemas.openxmlformats.org/officeDocument/2006/relationships" xmlns:p="http://schemas.openxmlformats.org/presentationml/2006/main">
   <p:cSld>
@@ -2641,7 +3433,7 @@
           <a:p>
             <a:fld id="{91017B01-0C30-B241-B19F-621BE4770608}" type="datetimeFigureOut">
               <a:rPr lang="pl-PL" smtClean="0"/>
-              <a:t>25.11.2022</a:t>
+              <a:t>27.11.2022</a:t>
             </a:fld>
             <a:endParaRPr lang="pl-PL"/>
           </a:p>
@@ -2810,7 +3602,7 @@
           <a:p>
             <a:fld id="{91017B01-0C30-B241-B19F-621BE4770608}" type="datetimeFigureOut">
               <a:rPr lang="pl-PL" smtClean="0"/>
-              <a:t>25.11.2022</a:t>
+              <a:t>27.11.2022</a:t>
             </a:fld>
             <a:endParaRPr lang="pl-PL"/>
           </a:p>
@@ -2989,7 +3781,7 @@
           <a:p>
             <a:fld id="{91017B01-0C30-B241-B19F-621BE4770608}" type="datetimeFigureOut">
               <a:rPr lang="pl-PL" smtClean="0"/>
-              <a:t>25.11.2022</a:t>
+              <a:t>27.11.2022</a:t>
             </a:fld>
             <a:endParaRPr lang="pl-PL"/>
           </a:p>
@@ -3158,7 +3950,7 @@
           <a:p>
             <a:fld id="{91017B01-0C30-B241-B19F-621BE4770608}" type="datetimeFigureOut">
               <a:rPr lang="pl-PL" smtClean="0"/>
-              <a:t>25.11.2022</a:t>
+              <a:t>27.11.2022</a:t>
             </a:fld>
             <a:endParaRPr lang="pl-PL"/>
           </a:p>
@@ -3404,7 +4196,7 @@
           <a:p>
             <a:fld id="{91017B01-0C30-B241-B19F-621BE4770608}" type="datetimeFigureOut">
               <a:rPr lang="pl-PL" smtClean="0"/>
-              <a:t>25.11.2022</a:t>
+              <a:t>27.11.2022</a:t>
             </a:fld>
             <a:endParaRPr lang="pl-PL"/>
           </a:p>
@@ -3690,7 +4482,7 @@
           <a:p>
             <a:fld id="{91017B01-0C30-B241-B19F-621BE4770608}" type="datetimeFigureOut">
               <a:rPr lang="pl-PL" smtClean="0"/>
-              <a:t>25.11.2022</a:t>
+              <a:t>27.11.2022</a:t>
             </a:fld>
             <a:endParaRPr lang="pl-PL"/>
           </a:p>
@@ -4110,7 +4902,7 @@
           <a:p>
             <a:fld id="{91017B01-0C30-B241-B19F-621BE4770608}" type="datetimeFigureOut">
               <a:rPr lang="pl-PL" smtClean="0"/>
-              <a:t>25.11.2022</a:t>
+              <a:t>27.11.2022</a:t>
             </a:fld>
             <a:endParaRPr lang="pl-PL"/>
           </a:p>
@@ -4228,7 +5020,7 @@
           <a:p>
             <a:fld id="{91017B01-0C30-B241-B19F-621BE4770608}" type="datetimeFigureOut">
               <a:rPr lang="pl-PL" smtClean="0"/>
-              <a:t>25.11.2022</a:t>
+              <a:t>27.11.2022</a:t>
             </a:fld>
             <a:endParaRPr lang="pl-PL"/>
           </a:p>
@@ -4324,7 +5116,7 @@
           <a:p>
             <a:fld id="{91017B01-0C30-B241-B19F-621BE4770608}" type="datetimeFigureOut">
               <a:rPr lang="pl-PL" smtClean="0"/>
-              <a:t>25.11.2022</a:t>
+              <a:t>27.11.2022</a:t>
             </a:fld>
             <a:endParaRPr lang="pl-PL"/>
           </a:p>
@@ -4601,7 +5393,7 @@
           <a:p>
             <a:fld id="{91017B01-0C30-B241-B19F-621BE4770608}" type="datetimeFigureOut">
               <a:rPr lang="pl-PL" smtClean="0"/>
-              <a:t>25.11.2022</a:t>
+              <a:t>27.11.2022</a:t>
             </a:fld>
             <a:endParaRPr lang="pl-PL"/>
           </a:p>
@@ -4857,7 +5649,7 @@
           <a:p>
             <a:fld id="{91017B01-0C30-B241-B19F-621BE4770608}" type="datetimeFigureOut">
               <a:rPr lang="pl-PL" smtClean="0"/>
-              <a:t>25.11.2022</a:t>
+              <a:t>27.11.2022</a:t>
             </a:fld>
             <a:endParaRPr lang="pl-PL"/>
           </a:p>
@@ -5069,7 +5861,7 @@
           <a:p>
             <a:fld id="{91017B01-0C30-B241-B19F-621BE4770608}" type="datetimeFigureOut">
               <a:rPr lang="pl-PL" smtClean="0"/>
-              <a:t>25.11.2022</a:t>
+              <a:t>27.11.2022</a:t>
             </a:fld>
             <a:endParaRPr lang="pl-PL"/>
           </a:p>
@@ -5628,18 +6420,13 @@
               <a:buChar char="o"/>
             </a:pPr>
             <a:r>
-              <a:rPr lang="pl-PL" sz="1800" dirty="0" err="1">
+              <a:rPr lang="pl-PL" sz="1800" dirty="0">
                 <a:solidFill>
                   <a:schemeClr val="bg1"/>
                 </a:solidFill>
               </a:rPr>
               <a:t>Widget</a:t>
             </a:r>
-            <a:endParaRPr lang="pl-PL" sz="1800" dirty="0">
-              <a:solidFill>
-                <a:schemeClr val="bg1"/>
-              </a:solidFill>
-            </a:endParaRPr>
           </a:p>
         </p:txBody>
       </p:sp>
@@ -8220,6 +9007,1931 @@
     <p:extLst>
       <p:ext uri="{BB962C8B-B14F-4D97-AF65-F5344CB8AC3E}">
         <p14:creationId xmlns:p14="http://schemas.microsoft.com/office/powerpoint/2010/main" val="1410349236"/>
+      </p:ext>
+    </p:extLst>
+  </p:cSld>
+  <p:clrMapOvr>
+    <a:masterClrMapping/>
+  </p:clrMapOvr>
+</p:sld>
+</file>
+
+<file path=ppt/slides/slide21.xml><?xml version="1.0" encoding="utf-8"?>
+<p:sld xmlns:a="http://schemas.openxmlformats.org/drawingml/2006/main" xmlns:r="http://schemas.openxmlformats.org/officeDocument/2006/relationships" xmlns:p="http://schemas.openxmlformats.org/presentationml/2006/main">
+  <p:cSld>
+    <p:bg>
+      <p:bgPr>
+        <a:blipFill dpi="0" rotWithShape="0">
+          <a:blip r:embed="rId3" cstate="print"/>
+          <a:srcRect/>
+          <a:stretch>
+            <a:fillRect/>
+          </a:stretch>
+        </a:blipFill>
+        <a:effectLst/>
+      </p:bgPr>
+    </p:bg>
+    <p:spTree>
+      <p:nvGrpSpPr>
+        <p:cNvPr id="1" name=""/>
+        <p:cNvGrpSpPr/>
+        <p:nvPr/>
+      </p:nvGrpSpPr>
+      <p:grpSpPr>
+        <a:xfrm>
+          <a:off x="0" y="0"/>
+          <a:ext cx="0" cy="0"/>
+          <a:chOff x="0" y="0"/>
+          <a:chExt cx="0" cy="0"/>
+        </a:xfrm>
+      </p:grpSpPr>
+      <p:sp>
+        <p:nvSpPr>
+          <p:cNvPr id="2" name="Rectangle 1"/>
+          <p:cNvSpPr/>
+          <p:nvPr/>
+        </p:nvSpPr>
+        <p:spPr>
+          <a:xfrm>
+            <a:off x="1979712" y="188640"/>
+            <a:ext cx="6696744" cy="492443"/>
+          </a:xfrm>
+          <a:prstGeom prst="rect">
+            <a:avLst/>
+          </a:prstGeom>
+        </p:spPr>
+        <p:txBody>
+          <a:bodyPr wrap="square">
+            <a:spAutoFit/>
+          </a:bodyPr>
+          <a:lstStyle/>
+          <a:p>
+            <a:pPr algn="ctr"/>
+            <a:r>
+              <a:rPr lang="pl-PL" sz="2600" dirty="0">
+                <a:solidFill>
+                  <a:schemeClr val="bg1"/>
+                </a:solidFill>
+                <a:latin typeface="Verdana" panose="020B0604030504040204" pitchFamily="34" charset="0"/>
+                <a:ea typeface="Verdana" panose="020B0604030504040204" pitchFamily="34" charset="0"/>
+                <a:cs typeface="Verdana" panose="020B0604030504040204" pitchFamily="34" charset="0"/>
+              </a:rPr>
+              <a:t>Widget</a:t>
+            </a:r>
+          </a:p>
+        </p:txBody>
+      </p:sp>
+      <p:sp>
+        <p:nvSpPr>
+          <p:cNvPr id="6" name="Prostokąt 5">
+            <a:extLst>
+              <a:ext uri="{FF2B5EF4-FFF2-40B4-BE49-F238E27FC236}">
+                <a16:creationId xmlns:a16="http://schemas.microsoft.com/office/drawing/2014/main" id="{CA41B780-B57E-411C-AAD5-3D3D6912F664}"/>
+              </a:ext>
+            </a:extLst>
+          </p:cNvPr>
+          <p:cNvSpPr/>
+          <p:nvPr/>
+        </p:nvSpPr>
+        <p:spPr>
+          <a:xfrm>
+            <a:off x="0" y="810072"/>
+            <a:ext cx="9144000" cy="6021288"/>
+          </a:xfrm>
+          <a:prstGeom prst="rect">
+            <a:avLst/>
+          </a:prstGeom>
+          <a:solidFill>
+            <a:schemeClr val="tx1"/>
+          </a:solidFill>
+        </p:spPr>
+        <p:style>
+          <a:lnRef idx="1">
+            <a:schemeClr val="accent1"/>
+          </a:lnRef>
+          <a:fillRef idx="3">
+            <a:schemeClr val="accent1"/>
+          </a:fillRef>
+          <a:effectRef idx="2">
+            <a:schemeClr val="accent1"/>
+          </a:effectRef>
+          <a:fontRef idx="minor">
+            <a:schemeClr val="lt1"/>
+          </a:fontRef>
+        </p:style>
+        <p:txBody>
+          <a:bodyPr rtlCol="0" anchor="ctr"/>
+          <a:lstStyle/>
+          <a:p>
+            <a:pPr algn="ctr"/>
+            <a:endParaRPr lang="pl-PL"/>
+          </a:p>
+        </p:txBody>
+      </p:sp>
+      <p:pic>
+        <p:nvPicPr>
+          <p:cNvPr id="5" name="Obraz 4">
+            <a:extLst>
+              <a:ext uri="{FF2B5EF4-FFF2-40B4-BE49-F238E27FC236}">
+                <a16:creationId xmlns:a16="http://schemas.microsoft.com/office/drawing/2014/main" id="{20BA0AFE-B32C-4423-9F8E-BD6182B69F00}"/>
+              </a:ext>
+            </a:extLst>
+          </p:cNvPr>
+          <p:cNvPicPr>
+            <a:picLocks noChangeAspect="1"/>
+          </p:cNvPicPr>
+          <p:nvPr/>
+        </p:nvPicPr>
+        <p:blipFill>
+          <a:blip r:embed="rId4"/>
+          <a:stretch>
+            <a:fillRect/>
+          </a:stretch>
+        </p:blipFill>
+        <p:spPr>
+          <a:xfrm>
+            <a:off x="0" y="1588379"/>
+            <a:ext cx="9144000" cy="3681241"/>
+          </a:xfrm>
+          <a:prstGeom prst="rect">
+            <a:avLst/>
+          </a:prstGeom>
+        </p:spPr>
+      </p:pic>
+    </p:spTree>
+    <p:extLst>
+      <p:ext uri="{BB962C8B-B14F-4D97-AF65-F5344CB8AC3E}">
+        <p14:creationId xmlns:p14="http://schemas.microsoft.com/office/powerpoint/2010/main" val="3679612134"/>
+      </p:ext>
+    </p:extLst>
+  </p:cSld>
+  <p:clrMapOvr>
+    <a:masterClrMapping/>
+  </p:clrMapOvr>
+</p:sld>
+</file>
+
+<file path=ppt/slides/slide22.xml><?xml version="1.0" encoding="utf-8"?>
+<p:sld xmlns:a="http://schemas.openxmlformats.org/drawingml/2006/main" xmlns:r="http://schemas.openxmlformats.org/officeDocument/2006/relationships" xmlns:p="http://schemas.openxmlformats.org/presentationml/2006/main">
+  <p:cSld>
+    <p:bg>
+      <p:bgPr>
+        <a:blipFill dpi="0" rotWithShape="0">
+          <a:blip r:embed="rId3" cstate="print"/>
+          <a:srcRect/>
+          <a:stretch>
+            <a:fillRect/>
+          </a:stretch>
+        </a:blipFill>
+        <a:effectLst/>
+      </p:bgPr>
+    </p:bg>
+    <p:spTree>
+      <p:nvGrpSpPr>
+        <p:cNvPr id="1" name=""/>
+        <p:cNvGrpSpPr/>
+        <p:nvPr/>
+      </p:nvGrpSpPr>
+      <p:grpSpPr>
+        <a:xfrm>
+          <a:off x="0" y="0"/>
+          <a:ext cx="0" cy="0"/>
+          <a:chOff x="0" y="0"/>
+          <a:chExt cx="0" cy="0"/>
+        </a:xfrm>
+      </p:grpSpPr>
+      <p:sp>
+        <p:nvSpPr>
+          <p:cNvPr id="2" name="Rectangle 1"/>
+          <p:cNvSpPr/>
+          <p:nvPr/>
+        </p:nvSpPr>
+        <p:spPr>
+          <a:xfrm>
+            <a:off x="1979712" y="188640"/>
+            <a:ext cx="6696744" cy="492443"/>
+          </a:xfrm>
+          <a:prstGeom prst="rect">
+            <a:avLst/>
+          </a:prstGeom>
+        </p:spPr>
+        <p:txBody>
+          <a:bodyPr wrap="square">
+            <a:spAutoFit/>
+          </a:bodyPr>
+          <a:lstStyle/>
+          <a:p>
+            <a:pPr algn="ctr"/>
+            <a:r>
+              <a:rPr lang="pl-PL" sz="2600" dirty="0">
+                <a:solidFill>
+                  <a:schemeClr val="bg1"/>
+                </a:solidFill>
+                <a:latin typeface="Verdana" panose="020B0604030504040204" pitchFamily="34" charset="0"/>
+                <a:ea typeface="Verdana" panose="020B0604030504040204" pitchFamily="34" charset="0"/>
+                <a:cs typeface="Verdana" panose="020B0604030504040204" pitchFamily="34" charset="0"/>
+              </a:rPr>
+              <a:t>Widget</a:t>
+            </a:r>
+          </a:p>
+        </p:txBody>
+      </p:sp>
+      <p:sp>
+        <p:nvSpPr>
+          <p:cNvPr id="6" name="Prostokąt 5">
+            <a:extLst>
+              <a:ext uri="{FF2B5EF4-FFF2-40B4-BE49-F238E27FC236}">
+                <a16:creationId xmlns:a16="http://schemas.microsoft.com/office/drawing/2014/main" id="{CA41B780-B57E-411C-AAD5-3D3D6912F664}"/>
+              </a:ext>
+            </a:extLst>
+          </p:cNvPr>
+          <p:cNvSpPr/>
+          <p:nvPr/>
+        </p:nvSpPr>
+        <p:spPr>
+          <a:xfrm>
+            <a:off x="0" y="810072"/>
+            <a:ext cx="9144000" cy="6021288"/>
+          </a:xfrm>
+          <a:prstGeom prst="rect">
+            <a:avLst/>
+          </a:prstGeom>
+          <a:solidFill>
+            <a:schemeClr val="tx1"/>
+          </a:solidFill>
+        </p:spPr>
+        <p:style>
+          <a:lnRef idx="1">
+            <a:schemeClr val="accent1"/>
+          </a:lnRef>
+          <a:fillRef idx="3">
+            <a:schemeClr val="accent1"/>
+          </a:fillRef>
+          <a:effectRef idx="2">
+            <a:schemeClr val="accent1"/>
+          </a:effectRef>
+          <a:fontRef idx="minor">
+            <a:schemeClr val="lt1"/>
+          </a:fontRef>
+        </p:style>
+        <p:txBody>
+          <a:bodyPr rtlCol="0" anchor="ctr"/>
+          <a:lstStyle/>
+          <a:p>
+            <a:pPr algn="ctr"/>
+            <a:endParaRPr lang="pl-PL"/>
+          </a:p>
+        </p:txBody>
+      </p:sp>
+      <p:pic>
+        <p:nvPicPr>
+          <p:cNvPr id="4" name="Obraz 3">
+            <a:extLst>
+              <a:ext uri="{FF2B5EF4-FFF2-40B4-BE49-F238E27FC236}">
+                <a16:creationId xmlns:a16="http://schemas.microsoft.com/office/drawing/2014/main" id="{416390B2-471A-40FE-9284-B32DBB27DCE9}"/>
+              </a:ext>
+            </a:extLst>
+          </p:cNvPr>
+          <p:cNvPicPr>
+            <a:picLocks noChangeAspect="1"/>
+          </p:cNvPicPr>
+          <p:nvPr/>
+        </p:nvPicPr>
+        <p:blipFill>
+          <a:blip r:embed="rId4"/>
+          <a:stretch>
+            <a:fillRect/>
+          </a:stretch>
+        </p:blipFill>
+        <p:spPr>
+          <a:xfrm>
+            <a:off x="1763688" y="908720"/>
+            <a:ext cx="6055370" cy="576064"/>
+          </a:xfrm>
+          <a:prstGeom prst="rect">
+            <a:avLst/>
+          </a:prstGeom>
+        </p:spPr>
+      </p:pic>
+    </p:spTree>
+    <p:extLst>
+      <p:ext uri="{BB962C8B-B14F-4D97-AF65-F5344CB8AC3E}">
+        <p14:creationId xmlns:p14="http://schemas.microsoft.com/office/powerpoint/2010/main" val="902489954"/>
+      </p:ext>
+    </p:extLst>
+  </p:cSld>
+  <p:clrMapOvr>
+    <a:masterClrMapping/>
+  </p:clrMapOvr>
+</p:sld>
+</file>
+
+<file path=ppt/slides/slide23.xml><?xml version="1.0" encoding="utf-8"?>
+<p:sld xmlns:a="http://schemas.openxmlformats.org/drawingml/2006/main" xmlns:r="http://schemas.openxmlformats.org/officeDocument/2006/relationships" xmlns:p="http://schemas.openxmlformats.org/presentationml/2006/main">
+  <p:cSld>
+    <p:bg>
+      <p:bgPr>
+        <a:blipFill dpi="0" rotWithShape="0">
+          <a:blip r:embed="rId3" cstate="print"/>
+          <a:srcRect/>
+          <a:stretch>
+            <a:fillRect/>
+          </a:stretch>
+        </a:blipFill>
+        <a:effectLst/>
+      </p:bgPr>
+    </p:bg>
+    <p:spTree>
+      <p:nvGrpSpPr>
+        <p:cNvPr id="1" name=""/>
+        <p:cNvGrpSpPr/>
+        <p:nvPr/>
+      </p:nvGrpSpPr>
+      <p:grpSpPr>
+        <a:xfrm>
+          <a:off x="0" y="0"/>
+          <a:ext cx="0" cy="0"/>
+          <a:chOff x="0" y="0"/>
+          <a:chExt cx="0" cy="0"/>
+        </a:xfrm>
+      </p:grpSpPr>
+      <p:sp>
+        <p:nvSpPr>
+          <p:cNvPr id="2" name="Rectangle 1"/>
+          <p:cNvSpPr/>
+          <p:nvPr/>
+        </p:nvSpPr>
+        <p:spPr>
+          <a:xfrm>
+            <a:off x="1979712" y="188640"/>
+            <a:ext cx="6696744" cy="492443"/>
+          </a:xfrm>
+          <a:prstGeom prst="rect">
+            <a:avLst/>
+          </a:prstGeom>
+        </p:spPr>
+        <p:txBody>
+          <a:bodyPr wrap="square">
+            <a:spAutoFit/>
+          </a:bodyPr>
+          <a:lstStyle/>
+          <a:p>
+            <a:pPr algn="ctr"/>
+            <a:r>
+              <a:rPr lang="pl-PL" sz="2600" dirty="0">
+                <a:solidFill>
+                  <a:schemeClr val="bg1"/>
+                </a:solidFill>
+                <a:latin typeface="Verdana" panose="020B0604030504040204" pitchFamily="34" charset="0"/>
+                <a:ea typeface="Verdana" panose="020B0604030504040204" pitchFamily="34" charset="0"/>
+                <a:cs typeface="Verdana" panose="020B0604030504040204" pitchFamily="34" charset="0"/>
+              </a:rPr>
+              <a:t>Widget</a:t>
+            </a:r>
+          </a:p>
+        </p:txBody>
+      </p:sp>
+      <p:sp>
+        <p:nvSpPr>
+          <p:cNvPr id="6" name="Prostokąt 5">
+            <a:extLst>
+              <a:ext uri="{FF2B5EF4-FFF2-40B4-BE49-F238E27FC236}">
+                <a16:creationId xmlns:a16="http://schemas.microsoft.com/office/drawing/2014/main" id="{CA41B780-B57E-411C-AAD5-3D3D6912F664}"/>
+              </a:ext>
+            </a:extLst>
+          </p:cNvPr>
+          <p:cNvSpPr/>
+          <p:nvPr/>
+        </p:nvSpPr>
+        <p:spPr>
+          <a:xfrm>
+            <a:off x="0" y="810072"/>
+            <a:ext cx="9144000" cy="6021288"/>
+          </a:xfrm>
+          <a:prstGeom prst="rect">
+            <a:avLst/>
+          </a:prstGeom>
+          <a:solidFill>
+            <a:schemeClr val="tx1"/>
+          </a:solidFill>
+        </p:spPr>
+        <p:style>
+          <a:lnRef idx="1">
+            <a:schemeClr val="accent1"/>
+          </a:lnRef>
+          <a:fillRef idx="3">
+            <a:schemeClr val="accent1"/>
+          </a:fillRef>
+          <a:effectRef idx="2">
+            <a:schemeClr val="accent1"/>
+          </a:effectRef>
+          <a:fontRef idx="minor">
+            <a:schemeClr val="lt1"/>
+          </a:fontRef>
+        </p:style>
+        <p:txBody>
+          <a:bodyPr rtlCol="0" anchor="ctr"/>
+          <a:lstStyle/>
+          <a:p>
+            <a:pPr algn="ctr"/>
+            <a:endParaRPr lang="pl-PL"/>
+          </a:p>
+        </p:txBody>
+      </p:sp>
+      <p:pic>
+        <p:nvPicPr>
+          <p:cNvPr id="4" name="Obraz 3">
+            <a:extLst>
+              <a:ext uri="{FF2B5EF4-FFF2-40B4-BE49-F238E27FC236}">
+                <a16:creationId xmlns:a16="http://schemas.microsoft.com/office/drawing/2014/main" id="{416390B2-471A-40FE-9284-B32DBB27DCE9}"/>
+              </a:ext>
+            </a:extLst>
+          </p:cNvPr>
+          <p:cNvPicPr>
+            <a:picLocks noChangeAspect="1"/>
+          </p:cNvPicPr>
+          <p:nvPr/>
+        </p:nvPicPr>
+        <p:blipFill>
+          <a:blip r:embed="rId4"/>
+          <a:stretch>
+            <a:fillRect/>
+          </a:stretch>
+        </p:blipFill>
+        <p:spPr>
+          <a:xfrm>
+            <a:off x="1763688" y="908720"/>
+            <a:ext cx="6055370" cy="576064"/>
+          </a:xfrm>
+          <a:prstGeom prst="rect">
+            <a:avLst/>
+          </a:prstGeom>
+        </p:spPr>
+      </p:pic>
+      <p:sp>
+        <p:nvSpPr>
+          <p:cNvPr id="3" name="pole tekstowe 2">
+            <a:extLst>
+              <a:ext uri="{FF2B5EF4-FFF2-40B4-BE49-F238E27FC236}">
+                <a16:creationId xmlns:a16="http://schemas.microsoft.com/office/drawing/2014/main" id="{BCE2FF9D-B156-483A-AFE9-2A79A8A2A607}"/>
+              </a:ext>
+            </a:extLst>
+          </p:cNvPr>
+          <p:cNvSpPr txBox="1"/>
+          <p:nvPr/>
+        </p:nvSpPr>
+        <p:spPr>
+          <a:xfrm>
+            <a:off x="251520" y="1988840"/>
+            <a:ext cx="8712968" cy="4190314"/>
+          </a:xfrm>
+          <a:prstGeom prst="rect">
+            <a:avLst/>
+          </a:prstGeom>
+          <a:noFill/>
+        </p:spPr>
+        <p:txBody>
+          <a:bodyPr wrap="square" rtlCol="0">
+            <a:spAutoFit/>
+          </a:bodyPr>
+          <a:lstStyle/>
+          <a:p>
+            <a:pPr marL="171450" indent="-171450" algn="just">
+              <a:lnSpc>
+                <a:spcPct val="150000"/>
+              </a:lnSpc>
+              <a:buFont typeface="Arial" panose="020B0604020202020204" pitchFamily="34" charset="0"/>
+              <a:buChar char="•"/>
+            </a:pPr>
+            <a:r>
+              <a:rPr lang="pl-PL" sz="2000" b="1" dirty="0">
+                <a:solidFill>
+                  <a:schemeClr val="bg1"/>
+                </a:solidFill>
+                <a:latin typeface="Verdana" panose="020B0604030504040204" pitchFamily="34" charset="0"/>
+                <a:ea typeface="Verdana" panose="020B0604030504040204" pitchFamily="34" charset="0"/>
+              </a:rPr>
+              <a:t>onUpdate</a:t>
+            </a:r>
+            <a:r>
+              <a:rPr lang="pl-PL" sz="2000" dirty="0">
+                <a:solidFill>
+                  <a:schemeClr val="bg1"/>
+                </a:solidFill>
+              </a:rPr>
+              <a:t> – wywoływana przy aktualizacji – aktualizacja odbywa się co określony czas</a:t>
+            </a:r>
+          </a:p>
+          <a:p>
+            <a:pPr marL="171450" indent="-171450" algn="just">
+              <a:lnSpc>
+                <a:spcPct val="150000"/>
+              </a:lnSpc>
+              <a:buFont typeface="Arial" panose="020B0604020202020204" pitchFamily="34" charset="0"/>
+              <a:buChar char="•"/>
+            </a:pPr>
+            <a:r>
+              <a:rPr lang="pl-PL" sz="2000" b="1" dirty="0">
+                <a:solidFill>
+                  <a:schemeClr val="bg1"/>
+                </a:solidFill>
+                <a:latin typeface="Verdana" panose="020B0604030504040204" pitchFamily="34" charset="0"/>
+                <a:ea typeface="Verdana" panose="020B0604030504040204" pitchFamily="34" charset="0"/>
+              </a:rPr>
+              <a:t>onAppWidgetOptionsChanged</a:t>
+            </a:r>
+            <a:r>
+              <a:rPr lang="pl-PL" sz="2000" dirty="0">
+                <a:solidFill>
+                  <a:schemeClr val="bg1"/>
+                </a:solidFill>
+                <a:latin typeface="Verdana" panose="020B0604030504040204" pitchFamily="34" charset="0"/>
+                <a:ea typeface="Verdana" panose="020B0604030504040204" pitchFamily="34" charset="0"/>
+              </a:rPr>
+              <a:t> – </a:t>
+            </a:r>
+            <a:r>
+              <a:rPr lang="pl-PL" sz="2000" dirty="0">
+                <a:solidFill>
+                  <a:schemeClr val="bg1"/>
+                </a:solidFill>
+                <a:latin typeface="Arial" panose="020B0604020202020204" pitchFamily="34" charset="0"/>
+                <a:ea typeface="Verdana" panose="020B0604030504040204" pitchFamily="34" charset="0"/>
+                <a:cs typeface="Arial" panose="020B0604020202020204" pitchFamily="34" charset="0"/>
+              </a:rPr>
+              <a:t>wywoływana przy umieszczeniu widgetu na ekranie i za każdym razem przy zmianie rozmiaru</a:t>
+            </a:r>
+          </a:p>
+          <a:p>
+            <a:pPr marL="171450" indent="-171450" algn="just">
+              <a:lnSpc>
+                <a:spcPct val="150000"/>
+              </a:lnSpc>
+              <a:buFont typeface="Arial" panose="020B0604020202020204" pitchFamily="34" charset="0"/>
+              <a:buChar char="•"/>
+            </a:pPr>
+            <a:r>
+              <a:rPr lang="pl-PL" sz="2000" b="1" dirty="0">
+                <a:solidFill>
+                  <a:schemeClr val="bg1"/>
+                </a:solidFill>
+                <a:latin typeface="Verdana" panose="020B0604030504040204" pitchFamily="34" charset="0"/>
+                <a:ea typeface="Verdana" panose="020B0604030504040204" pitchFamily="34" charset="0"/>
+              </a:rPr>
+              <a:t>onDeleted(Context, int[]) </a:t>
+            </a:r>
+            <a:r>
+              <a:rPr lang="pl-PL" sz="2000" dirty="0">
+                <a:solidFill>
+                  <a:schemeClr val="bg1"/>
+                </a:solidFill>
+                <a:latin typeface="Verdana" panose="020B0604030504040204" pitchFamily="34" charset="0"/>
+                <a:ea typeface="Verdana" panose="020B0604030504040204" pitchFamily="34" charset="0"/>
+              </a:rPr>
+              <a:t>- </a:t>
+            </a:r>
+            <a:r>
+              <a:rPr lang="pl-PL" sz="2000" dirty="0">
+                <a:solidFill>
+                  <a:schemeClr val="bg1"/>
+                </a:solidFill>
+                <a:latin typeface="Arial" panose="020B0604020202020204" pitchFamily="34" charset="0"/>
+                <a:ea typeface="Verdana" panose="020B0604030504040204" pitchFamily="34" charset="0"/>
+                <a:cs typeface="Arial" panose="020B0604020202020204" pitchFamily="34" charset="0"/>
+              </a:rPr>
+              <a:t>wywoływana przy usuwaniu widgetu</a:t>
+            </a:r>
+            <a:endParaRPr lang="pl-PL" sz="2000" dirty="0">
+              <a:solidFill>
+                <a:schemeClr val="bg1"/>
+              </a:solidFill>
+              <a:latin typeface="Verdana" panose="020B0604030504040204" pitchFamily="34" charset="0"/>
+              <a:ea typeface="Verdana" panose="020B0604030504040204" pitchFamily="34" charset="0"/>
+            </a:endParaRPr>
+          </a:p>
+          <a:p>
+            <a:pPr marL="171450" indent="-171450" algn="just">
+              <a:lnSpc>
+                <a:spcPct val="150000"/>
+              </a:lnSpc>
+              <a:buFont typeface="Arial" panose="020B0604020202020204" pitchFamily="34" charset="0"/>
+              <a:buChar char="•"/>
+            </a:pPr>
+            <a:r>
+              <a:rPr lang="pl-PL" sz="2000" b="1" dirty="0">
+                <a:solidFill>
+                  <a:schemeClr val="bg1"/>
+                </a:solidFill>
+                <a:latin typeface="Verdana" panose="020B0604030504040204" pitchFamily="34" charset="0"/>
+                <a:ea typeface="Verdana" panose="020B0604030504040204" pitchFamily="34" charset="0"/>
+              </a:rPr>
+              <a:t>onEnabled(Context), onDisabled(Context) </a:t>
+            </a:r>
+            <a:r>
+              <a:rPr lang="pl-PL" sz="2000" dirty="0">
+                <a:solidFill>
+                  <a:schemeClr val="bg1"/>
+                </a:solidFill>
+                <a:latin typeface="Verdana" panose="020B0604030504040204" pitchFamily="34" charset="0"/>
+                <a:ea typeface="Verdana" panose="020B0604030504040204" pitchFamily="34" charset="0"/>
+              </a:rPr>
+              <a:t>– </a:t>
+            </a:r>
+            <a:r>
+              <a:rPr lang="pl-PL" sz="2000" dirty="0">
+                <a:solidFill>
+                  <a:schemeClr val="bg1"/>
+                </a:solidFill>
+                <a:latin typeface="Arial" panose="020B0604020202020204" pitchFamily="34" charset="0"/>
+                <a:ea typeface="Verdana" panose="020B0604030504040204" pitchFamily="34" charset="0"/>
+                <a:cs typeface="Arial" panose="020B0604020202020204" pitchFamily="34" charset="0"/>
+              </a:rPr>
+              <a:t>wywoływana gdy instancja widgetu jest umieszczona na ekranie po raz pierwszy/usunięta</a:t>
+            </a:r>
+          </a:p>
+          <a:p>
+            <a:pPr marL="171450" indent="-171450" algn="just">
+              <a:lnSpc>
+                <a:spcPct val="150000"/>
+              </a:lnSpc>
+              <a:buFont typeface="Arial" panose="020B0604020202020204" pitchFamily="34" charset="0"/>
+              <a:buChar char="•"/>
+            </a:pPr>
+            <a:r>
+              <a:rPr lang="pl-PL" sz="2000" b="1" dirty="0" err="1">
+                <a:solidFill>
+                  <a:schemeClr val="bg1"/>
+                </a:solidFill>
+                <a:latin typeface="Verdana" panose="020B0604030504040204" pitchFamily="34" charset="0"/>
+                <a:ea typeface="Verdana" panose="020B0604030504040204" pitchFamily="34" charset="0"/>
+                <a:cs typeface="Arial" panose="020B0604020202020204" pitchFamily="34" charset="0"/>
+              </a:rPr>
+              <a:t>onReceive</a:t>
+            </a:r>
+            <a:r>
+              <a:rPr lang="pl-PL" sz="2000" b="1" dirty="0">
+                <a:solidFill>
+                  <a:schemeClr val="bg1"/>
+                </a:solidFill>
+                <a:latin typeface="Verdana" panose="020B0604030504040204" pitchFamily="34" charset="0"/>
+                <a:ea typeface="Verdana" panose="020B0604030504040204" pitchFamily="34" charset="0"/>
+                <a:cs typeface="Arial" panose="020B0604020202020204" pitchFamily="34" charset="0"/>
+              </a:rPr>
+              <a:t>(Context, </a:t>
+            </a:r>
+            <a:r>
+              <a:rPr lang="pl-PL" sz="2000" b="1" dirty="0" err="1">
+                <a:solidFill>
+                  <a:schemeClr val="bg1"/>
+                </a:solidFill>
+                <a:latin typeface="Verdana" panose="020B0604030504040204" pitchFamily="34" charset="0"/>
+                <a:ea typeface="Verdana" panose="020B0604030504040204" pitchFamily="34" charset="0"/>
+                <a:cs typeface="Arial" panose="020B0604020202020204" pitchFamily="34" charset="0"/>
+              </a:rPr>
+              <a:t>Intent</a:t>
+            </a:r>
+            <a:r>
+              <a:rPr lang="pl-PL" sz="2000" b="1" dirty="0">
+                <a:solidFill>
+                  <a:schemeClr val="bg1"/>
+                </a:solidFill>
+                <a:latin typeface="Verdana" panose="020B0604030504040204" pitchFamily="34" charset="0"/>
+                <a:ea typeface="Verdana" panose="020B0604030504040204" pitchFamily="34" charset="0"/>
+                <a:cs typeface="Arial" panose="020B0604020202020204" pitchFamily="34" charset="0"/>
+              </a:rPr>
+              <a:t>) </a:t>
+            </a:r>
+            <a:r>
+              <a:rPr lang="pl-PL" sz="2000" dirty="0">
+                <a:solidFill>
+                  <a:schemeClr val="bg1"/>
+                </a:solidFill>
+                <a:latin typeface="Verdana" panose="020B0604030504040204" pitchFamily="34" charset="0"/>
+                <a:ea typeface="Verdana" panose="020B0604030504040204" pitchFamily="34" charset="0"/>
+                <a:cs typeface="Arial" panose="020B0604020202020204" pitchFamily="34" charset="0"/>
+              </a:rPr>
+              <a:t>– </a:t>
+            </a:r>
+            <a:r>
+              <a:rPr lang="pl-PL" sz="2000" dirty="0">
+                <a:solidFill>
+                  <a:schemeClr val="bg1"/>
+                </a:solidFill>
+                <a:latin typeface="Arial" panose="020B0604020202020204" pitchFamily="34" charset="0"/>
+                <a:ea typeface="Verdana" panose="020B0604030504040204" pitchFamily="34" charset="0"/>
+                <a:cs typeface="Arial" panose="020B0604020202020204" pitchFamily="34" charset="0"/>
+              </a:rPr>
+              <a:t>wywoływana przy każdym </a:t>
+            </a:r>
+            <a:r>
+              <a:rPr lang="pl-PL" sz="2000" dirty="0" err="1">
+                <a:solidFill>
+                  <a:schemeClr val="bg1"/>
+                </a:solidFill>
+                <a:latin typeface="Arial" panose="020B0604020202020204" pitchFamily="34" charset="0"/>
+                <a:ea typeface="Verdana" panose="020B0604030504040204" pitchFamily="34" charset="0"/>
+                <a:cs typeface="Arial" panose="020B0604020202020204" pitchFamily="34" charset="0"/>
+              </a:rPr>
+              <a:t>broadcascie</a:t>
+            </a:r>
+            <a:r>
+              <a:rPr lang="pl-PL" sz="2000" dirty="0">
+                <a:solidFill>
+                  <a:schemeClr val="bg1"/>
+                </a:solidFill>
+                <a:latin typeface="Arial" panose="020B0604020202020204" pitchFamily="34" charset="0"/>
+                <a:ea typeface="Verdana" panose="020B0604030504040204" pitchFamily="34" charset="0"/>
+                <a:cs typeface="Arial" panose="020B0604020202020204" pitchFamily="34" charset="0"/>
+              </a:rPr>
+              <a:t> i przed każdym wywołaniem metod zwrotnych</a:t>
+            </a:r>
+          </a:p>
+        </p:txBody>
+      </p:sp>
+    </p:spTree>
+    <p:extLst>
+      <p:ext uri="{BB962C8B-B14F-4D97-AF65-F5344CB8AC3E}">
+        <p14:creationId xmlns:p14="http://schemas.microsoft.com/office/powerpoint/2010/main" val="3363513680"/>
+      </p:ext>
+    </p:extLst>
+  </p:cSld>
+  <p:clrMapOvr>
+    <a:masterClrMapping/>
+  </p:clrMapOvr>
+</p:sld>
+</file>
+
+<file path=ppt/slides/slide24.xml><?xml version="1.0" encoding="utf-8"?>
+<p:sld xmlns:a="http://schemas.openxmlformats.org/drawingml/2006/main" xmlns:r="http://schemas.openxmlformats.org/officeDocument/2006/relationships" xmlns:p="http://schemas.openxmlformats.org/presentationml/2006/main">
+  <p:cSld>
+    <p:bg>
+      <p:bgPr>
+        <a:blipFill dpi="0" rotWithShape="0">
+          <a:blip r:embed="rId3" cstate="print"/>
+          <a:srcRect/>
+          <a:stretch>
+            <a:fillRect/>
+          </a:stretch>
+        </a:blipFill>
+        <a:effectLst/>
+      </p:bgPr>
+    </p:bg>
+    <p:spTree>
+      <p:nvGrpSpPr>
+        <p:cNvPr id="1" name=""/>
+        <p:cNvGrpSpPr/>
+        <p:nvPr/>
+      </p:nvGrpSpPr>
+      <p:grpSpPr>
+        <a:xfrm>
+          <a:off x="0" y="0"/>
+          <a:ext cx="0" cy="0"/>
+          <a:chOff x="0" y="0"/>
+          <a:chExt cx="0" cy="0"/>
+        </a:xfrm>
+      </p:grpSpPr>
+      <p:sp>
+        <p:nvSpPr>
+          <p:cNvPr id="2" name="Rectangle 1"/>
+          <p:cNvSpPr/>
+          <p:nvPr/>
+        </p:nvSpPr>
+        <p:spPr>
+          <a:xfrm>
+            <a:off x="1979712" y="188640"/>
+            <a:ext cx="6696744" cy="492443"/>
+          </a:xfrm>
+          <a:prstGeom prst="rect">
+            <a:avLst/>
+          </a:prstGeom>
+        </p:spPr>
+        <p:txBody>
+          <a:bodyPr wrap="square">
+            <a:spAutoFit/>
+          </a:bodyPr>
+          <a:lstStyle/>
+          <a:p>
+            <a:pPr algn="ctr"/>
+            <a:r>
+              <a:rPr lang="pl-PL" sz="2600" dirty="0">
+                <a:solidFill>
+                  <a:schemeClr val="bg1"/>
+                </a:solidFill>
+                <a:latin typeface="Verdana" panose="020B0604030504040204" pitchFamily="34" charset="0"/>
+                <a:ea typeface="Verdana" panose="020B0604030504040204" pitchFamily="34" charset="0"/>
+                <a:cs typeface="Verdana" panose="020B0604030504040204" pitchFamily="34" charset="0"/>
+              </a:rPr>
+              <a:t>ContentProvider</a:t>
+            </a:r>
+          </a:p>
+        </p:txBody>
+      </p:sp>
+      <p:sp>
+        <p:nvSpPr>
+          <p:cNvPr id="6" name="Prostokąt 5">
+            <a:extLst>
+              <a:ext uri="{FF2B5EF4-FFF2-40B4-BE49-F238E27FC236}">
+                <a16:creationId xmlns:a16="http://schemas.microsoft.com/office/drawing/2014/main" id="{CA41B780-B57E-411C-AAD5-3D3D6912F664}"/>
+              </a:ext>
+            </a:extLst>
+          </p:cNvPr>
+          <p:cNvSpPr/>
+          <p:nvPr/>
+        </p:nvSpPr>
+        <p:spPr>
+          <a:xfrm>
+            <a:off x="0" y="810072"/>
+            <a:ext cx="9144000" cy="6021288"/>
+          </a:xfrm>
+          <a:prstGeom prst="rect">
+            <a:avLst/>
+          </a:prstGeom>
+          <a:solidFill>
+            <a:schemeClr val="tx1"/>
+          </a:solidFill>
+        </p:spPr>
+        <p:style>
+          <a:lnRef idx="1">
+            <a:schemeClr val="accent1"/>
+          </a:lnRef>
+          <a:fillRef idx="3">
+            <a:schemeClr val="accent1"/>
+          </a:fillRef>
+          <a:effectRef idx="2">
+            <a:schemeClr val="accent1"/>
+          </a:effectRef>
+          <a:fontRef idx="minor">
+            <a:schemeClr val="lt1"/>
+          </a:fontRef>
+        </p:style>
+        <p:txBody>
+          <a:bodyPr rtlCol="0" anchor="ctr"/>
+          <a:lstStyle/>
+          <a:p>
+            <a:pPr algn="ctr"/>
+            <a:endParaRPr lang="pl-PL"/>
+          </a:p>
+        </p:txBody>
+      </p:sp>
+      <p:pic>
+        <p:nvPicPr>
+          <p:cNvPr id="5" name="Obraz 4">
+            <a:extLst>
+              <a:ext uri="{FF2B5EF4-FFF2-40B4-BE49-F238E27FC236}">
+                <a16:creationId xmlns:a16="http://schemas.microsoft.com/office/drawing/2014/main" id="{401E5FDE-8905-40E8-897D-A60967858DF5}"/>
+              </a:ext>
+            </a:extLst>
+          </p:cNvPr>
+          <p:cNvPicPr>
+            <a:picLocks noChangeAspect="1"/>
+          </p:cNvPicPr>
+          <p:nvPr/>
+        </p:nvPicPr>
+        <p:blipFill>
+          <a:blip r:embed="rId4"/>
+          <a:stretch>
+            <a:fillRect/>
+          </a:stretch>
+        </p:blipFill>
+        <p:spPr>
+          <a:xfrm>
+            <a:off x="755576" y="681083"/>
+            <a:ext cx="7920880" cy="5534776"/>
+          </a:xfrm>
+          <a:prstGeom prst="rect">
+            <a:avLst/>
+          </a:prstGeom>
+        </p:spPr>
+      </p:pic>
+      <p:sp>
+        <p:nvSpPr>
+          <p:cNvPr id="7" name="pole tekstowe 6">
+            <a:extLst>
+              <a:ext uri="{FF2B5EF4-FFF2-40B4-BE49-F238E27FC236}">
+                <a16:creationId xmlns:a16="http://schemas.microsoft.com/office/drawing/2014/main" id="{4720BB44-D03C-4081-A223-6AE86706DE0A}"/>
+              </a:ext>
+            </a:extLst>
+          </p:cNvPr>
+          <p:cNvSpPr txBox="1"/>
+          <p:nvPr/>
+        </p:nvSpPr>
+        <p:spPr>
+          <a:xfrm>
+            <a:off x="2276886" y="6154277"/>
+            <a:ext cx="4878259" cy="369332"/>
+          </a:xfrm>
+          <a:prstGeom prst="rect">
+            <a:avLst/>
+          </a:prstGeom>
+          <a:noFill/>
+        </p:spPr>
+        <p:txBody>
+          <a:bodyPr wrap="none" rtlCol="0">
+            <a:spAutoFit/>
+          </a:bodyPr>
+          <a:lstStyle/>
+          <a:p>
+            <a:r>
+              <a:rPr lang="pl-PL" sz="1800" b="1" dirty="0">
+                <a:solidFill>
+                  <a:schemeClr val="bg1"/>
+                </a:solidFill>
+              </a:rPr>
+              <a:t>Udostępnia dane zewnętrznym aplikacjom </a:t>
+            </a:r>
+          </a:p>
+        </p:txBody>
+      </p:sp>
+    </p:spTree>
+    <p:extLst>
+      <p:ext uri="{BB962C8B-B14F-4D97-AF65-F5344CB8AC3E}">
+        <p14:creationId xmlns:p14="http://schemas.microsoft.com/office/powerpoint/2010/main" val="3994076173"/>
+      </p:ext>
+    </p:extLst>
+  </p:cSld>
+  <p:clrMapOvr>
+    <a:masterClrMapping/>
+  </p:clrMapOvr>
+</p:sld>
+</file>
+
+<file path=ppt/slides/slide25.xml><?xml version="1.0" encoding="utf-8"?>
+<p:sld xmlns:a="http://schemas.openxmlformats.org/drawingml/2006/main" xmlns:r="http://schemas.openxmlformats.org/officeDocument/2006/relationships" xmlns:p="http://schemas.openxmlformats.org/presentationml/2006/main">
+  <p:cSld>
+    <p:bg>
+      <p:bgPr>
+        <a:blipFill dpi="0" rotWithShape="0">
+          <a:blip r:embed="rId3" cstate="print"/>
+          <a:srcRect/>
+          <a:stretch>
+            <a:fillRect/>
+          </a:stretch>
+        </a:blipFill>
+        <a:effectLst/>
+      </p:bgPr>
+    </p:bg>
+    <p:spTree>
+      <p:nvGrpSpPr>
+        <p:cNvPr id="1" name=""/>
+        <p:cNvGrpSpPr/>
+        <p:nvPr/>
+      </p:nvGrpSpPr>
+      <p:grpSpPr>
+        <a:xfrm>
+          <a:off x="0" y="0"/>
+          <a:ext cx="0" cy="0"/>
+          <a:chOff x="0" y="0"/>
+          <a:chExt cx="0" cy="0"/>
+        </a:xfrm>
+      </p:grpSpPr>
+      <p:sp>
+        <p:nvSpPr>
+          <p:cNvPr id="2" name="Rectangle 1"/>
+          <p:cNvSpPr/>
+          <p:nvPr/>
+        </p:nvSpPr>
+        <p:spPr>
+          <a:xfrm>
+            <a:off x="1979712" y="188640"/>
+            <a:ext cx="6696744" cy="492443"/>
+          </a:xfrm>
+          <a:prstGeom prst="rect">
+            <a:avLst/>
+          </a:prstGeom>
+        </p:spPr>
+        <p:txBody>
+          <a:bodyPr wrap="square">
+            <a:spAutoFit/>
+          </a:bodyPr>
+          <a:lstStyle/>
+          <a:p>
+            <a:pPr algn="ctr"/>
+            <a:r>
+              <a:rPr lang="pl-PL" sz="2600" dirty="0" err="1">
+                <a:solidFill>
+                  <a:schemeClr val="bg1"/>
+                </a:solidFill>
+                <a:latin typeface="Verdana" panose="020B0604030504040204" pitchFamily="34" charset="0"/>
+                <a:ea typeface="Verdana" panose="020B0604030504040204" pitchFamily="34" charset="0"/>
+                <a:cs typeface="Verdana" panose="020B0604030504040204" pitchFamily="34" charset="0"/>
+              </a:rPr>
+              <a:t>AppWidgetProvider</a:t>
+            </a:r>
+            <a:endParaRPr lang="pl-PL" sz="2600" dirty="0">
+              <a:solidFill>
+                <a:schemeClr val="bg1"/>
+              </a:solidFill>
+              <a:latin typeface="Verdana" panose="020B0604030504040204" pitchFamily="34" charset="0"/>
+              <a:ea typeface="Verdana" panose="020B0604030504040204" pitchFamily="34" charset="0"/>
+              <a:cs typeface="Verdana" panose="020B0604030504040204" pitchFamily="34" charset="0"/>
+            </a:endParaRPr>
+          </a:p>
+        </p:txBody>
+      </p:sp>
+      <p:sp>
+        <p:nvSpPr>
+          <p:cNvPr id="6" name="Prostokąt 5">
+            <a:extLst>
+              <a:ext uri="{FF2B5EF4-FFF2-40B4-BE49-F238E27FC236}">
+                <a16:creationId xmlns:a16="http://schemas.microsoft.com/office/drawing/2014/main" id="{CA41B780-B57E-411C-AAD5-3D3D6912F664}"/>
+              </a:ext>
+            </a:extLst>
+          </p:cNvPr>
+          <p:cNvSpPr/>
+          <p:nvPr/>
+        </p:nvSpPr>
+        <p:spPr>
+          <a:xfrm>
+            <a:off x="0" y="810072"/>
+            <a:ext cx="9144000" cy="6021288"/>
+          </a:xfrm>
+          <a:prstGeom prst="rect">
+            <a:avLst/>
+          </a:prstGeom>
+          <a:solidFill>
+            <a:schemeClr val="tx1"/>
+          </a:solidFill>
+        </p:spPr>
+        <p:style>
+          <a:lnRef idx="1">
+            <a:schemeClr val="accent1"/>
+          </a:lnRef>
+          <a:fillRef idx="3">
+            <a:schemeClr val="accent1"/>
+          </a:fillRef>
+          <a:effectRef idx="2">
+            <a:schemeClr val="accent1"/>
+          </a:effectRef>
+          <a:fontRef idx="minor">
+            <a:schemeClr val="lt1"/>
+          </a:fontRef>
+        </p:style>
+        <p:txBody>
+          <a:bodyPr rtlCol="0" anchor="ctr"/>
+          <a:lstStyle/>
+          <a:p>
+            <a:pPr algn="ctr"/>
+            <a:endParaRPr lang="pl-PL"/>
+          </a:p>
+        </p:txBody>
+      </p:sp>
+      <p:pic>
+        <p:nvPicPr>
+          <p:cNvPr id="4" name="Obraz 3">
+            <a:extLst>
+              <a:ext uri="{FF2B5EF4-FFF2-40B4-BE49-F238E27FC236}">
+                <a16:creationId xmlns:a16="http://schemas.microsoft.com/office/drawing/2014/main" id="{416390B2-471A-40FE-9284-B32DBB27DCE9}"/>
+              </a:ext>
+            </a:extLst>
+          </p:cNvPr>
+          <p:cNvPicPr>
+            <a:picLocks noChangeAspect="1"/>
+          </p:cNvPicPr>
+          <p:nvPr/>
+        </p:nvPicPr>
+        <p:blipFill>
+          <a:blip r:embed="rId4"/>
+          <a:stretch>
+            <a:fillRect/>
+          </a:stretch>
+        </p:blipFill>
+        <p:spPr>
+          <a:xfrm>
+            <a:off x="1763688" y="908720"/>
+            <a:ext cx="6055370" cy="576064"/>
+          </a:xfrm>
+          <a:prstGeom prst="rect">
+            <a:avLst/>
+          </a:prstGeom>
+        </p:spPr>
+      </p:pic>
+      <p:pic>
+        <p:nvPicPr>
+          <p:cNvPr id="7" name="Obraz 6">
+            <a:extLst>
+              <a:ext uri="{FF2B5EF4-FFF2-40B4-BE49-F238E27FC236}">
+                <a16:creationId xmlns:a16="http://schemas.microsoft.com/office/drawing/2014/main" id="{586A88BE-DC66-4CF1-A7E7-D5EE21B773A1}"/>
+              </a:ext>
+            </a:extLst>
+          </p:cNvPr>
+          <p:cNvPicPr>
+            <a:picLocks noChangeAspect="1"/>
+          </p:cNvPicPr>
+          <p:nvPr/>
+        </p:nvPicPr>
+        <p:blipFill>
+          <a:blip r:embed="rId5"/>
+          <a:stretch>
+            <a:fillRect/>
+          </a:stretch>
+        </p:blipFill>
+        <p:spPr>
+          <a:xfrm>
+            <a:off x="323528" y="1854642"/>
+            <a:ext cx="8081977" cy="2303430"/>
+          </a:xfrm>
+          <a:prstGeom prst="rect">
+            <a:avLst/>
+          </a:prstGeom>
+        </p:spPr>
+      </p:pic>
+      <p:sp>
+        <p:nvSpPr>
+          <p:cNvPr id="10" name="pole tekstowe 9">
+            <a:extLst>
+              <a:ext uri="{FF2B5EF4-FFF2-40B4-BE49-F238E27FC236}">
+                <a16:creationId xmlns:a16="http://schemas.microsoft.com/office/drawing/2014/main" id="{68126B66-0ABF-4057-9FED-3ACCF7716B5E}"/>
+              </a:ext>
+            </a:extLst>
+          </p:cNvPr>
+          <p:cNvSpPr txBox="1"/>
+          <p:nvPr/>
+        </p:nvSpPr>
+        <p:spPr>
+          <a:xfrm>
+            <a:off x="28929" y="4538724"/>
+            <a:ext cx="9086142" cy="871136"/>
+          </a:xfrm>
+          <a:prstGeom prst="rect">
+            <a:avLst/>
+          </a:prstGeom>
+          <a:noFill/>
+        </p:spPr>
+        <p:txBody>
+          <a:bodyPr wrap="none" rtlCol="0">
+            <a:spAutoFit/>
+          </a:bodyPr>
+          <a:lstStyle/>
+          <a:p>
+            <a:pPr marL="171450" indent="-171450">
+              <a:lnSpc>
+                <a:spcPct val="150000"/>
+              </a:lnSpc>
+              <a:buFont typeface="Arial" panose="020B0604020202020204" pitchFamily="34" charset="0"/>
+              <a:buChar char="•"/>
+            </a:pPr>
+            <a:r>
+              <a:rPr lang="pl-PL" sz="1800" b="1" dirty="0">
+                <a:solidFill>
+                  <a:schemeClr val="bg1"/>
+                </a:solidFill>
+                <a:latin typeface="Verdana" panose="020B0604030504040204" pitchFamily="34" charset="0"/>
+                <a:ea typeface="Verdana" panose="020B0604030504040204" pitchFamily="34" charset="0"/>
+              </a:rPr>
+              <a:t>appWidgetManager – </a:t>
+            </a:r>
+            <a:r>
+              <a:rPr lang="pl-PL" sz="1800" dirty="0">
+                <a:solidFill>
+                  <a:schemeClr val="bg1"/>
+                </a:solidFill>
+                <a:latin typeface="Arial" panose="020B0604020202020204" pitchFamily="34" charset="0"/>
+                <a:ea typeface="Verdana" panose="020B0604030504040204" pitchFamily="34" charset="0"/>
+                <a:cs typeface="Arial" panose="020B0604020202020204" pitchFamily="34" charset="0"/>
+              </a:rPr>
+              <a:t>widget działa na innym procesie – umożliwia komunikację</a:t>
+            </a:r>
+          </a:p>
+          <a:p>
+            <a:pPr marL="171450" indent="-171450">
+              <a:lnSpc>
+                <a:spcPct val="150000"/>
+              </a:lnSpc>
+              <a:buFont typeface="Arial" panose="020B0604020202020204" pitchFamily="34" charset="0"/>
+              <a:buChar char="•"/>
+            </a:pPr>
+            <a:r>
+              <a:rPr lang="pl-PL" sz="1800" b="1" dirty="0">
+                <a:solidFill>
+                  <a:schemeClr val="bg1"/>
+                </a:solidFill>
+                <a:latin typeface="Verdana" panose="020B0604030504040204" pitchFamily="34" charset="0"/>
+                <a:ea typeface="Verdana" panose="020B0604030504040204" pitchFamily="34" charset="0"/>
+              </a:rPr>
+              <a:t>appWidgetIds – </a:t>
+            </a:r>
+            <a:r>
+              <a:rPr lang="pl-PL" sz="1800" dirty="0">
+                <a:solidFill>
+                  <a:schemeClr val="bg1"/>
+                </a:solidFill>
+                <a:latin typeface="Arial" panose="020B0604020202020204" pitchFamily="34" charset="0"/>
+                <a:ea typeface="Verdana" panose="020B0604030504040204" pitchFamily="34" charset="0"/>
+                <a:cs typeface="Arial" panose="020B0604020202020204" pitchFamily="34" charset="0"/>
+              </a:rPr>
+              <a:t>unikalne identyfikatory wszystkich instancji widgetu</a:t>
+            </a:r>
+            <a:endParaRPr lang="pl-PL" sz="1800" dirty="0">
+              <a:solidFill>
+                <a:schemeClr val="bg1"/>
+              </a:solidFill>
+              <a:latin typeface="Verdana" panose="020B0604030504040204" pitchFamily="34" charset="0"/>
+              <a:ea typeface="Verdana" panose="020B0604030504040204" pitchFamily="34" charset="0"/>
+            </a:endParaRPr>
+          </a:p>
+        </p:txBody>
+      </p:sp>
+    </p:spTree>
+    <p:extLst>
+      <p:ext uri="{BB962C8B-B14F-4D97-AF65-F5344CB8AC3E}">
+        <p14:creationId xmlns:p14="http://schemas.microsoft.com/office/powerpoint/2010/main" val="1874884210"/>
+      </p:ext>
+    </p:extLst>
+  </p:cSld>
+  <p:clrMapOvr>
+    <a:masterClrMapping/>
+  </p:clrMapOvr>
+</p:sld>
+</file>
+
+<file path=ppt/slides/slide26.xml><?xml version="1.0" encoding="utf-8"?>
+<p:sld xmlns:a="http://schemas.openxmlformats.org/drawingml/2006/main" xmlns:r="http://schemas.openxmlformats.org/officeDocument/2006/relationships" xmlns:p="http://schemas.openxmlformats.org/presentationml/2006/main">
+  <p:cSld>
+    <p:bg>
+      <p:bgPr>
+        <a:blipFill dpi="0" rotWithShape="0">
+          <a:blip r:embed="rId3" cstate="print"/>
+          <a:srcRect/>
+          <a:stretch>
+            <a:fillRect/>
+          </a:stretch>
+        </a:blipFill>
+        <a:effectLst/>
+      </p:bgPr>
+    </p:bg>
+    <p:spTree>
+      <p:nvGrpSpPr>
+        <p:cNvPr id="1" name=""/>
+        <p:cNvGrpSpPr/>
+        <p:nvPr/>
+      </p:nvGrpSpPr>
+      <p:grpSpPr>
+        <a:xfrm>
+          <a:off x="0" y="0"/>
+          <a:ext cx="0" cy="0"/>
+          <a:chOff x="0" y="0"/>
+          <a:chExt cx="0" cy="0"/>
+        </a:xfrm>
+      </p:grpSpPr>
+      <p:sp>
+        <p:nvSpPr>
+          <p:cNvPr id="2" name="Rectangle 1"/>
+          <p:cNvSpPr/>
+          <p:nvPr/>
+        </p:nvSpPr>
+        <p:spPr>
+          <a:xfrm>
+            <a:off x="1979712" y="188640"/>
+            <a:ext cx="6696744" cy="492443"/>
+          </a:xfrm>
+          <a:prstGeom prst="rect">
+            <a:avLst/>
+          </a:prstGeom>
+        </p:spPr>
+        <p:txBody>
+          <a:bodyPr wrap="square">
+            <a:spAutoFit/>
+          </a:bodyPr>
+          <a:lstStyle/>
+          <a:p>
+            <a:pPr algn="ctr"/>
+            <a:r>
+              <a:rPr lang="pl-PL" sz="2600" dirty="0" err="1">
+                <a:solidFill>
+                  <a:schemeClr val="bg1"/>
+                </a:solidFill>
+                <a:latin typeface="Verdana" panose="020B0604030504040204" pitchFamily="34" charset="0"/>
+                <a:ea typeface="Verdana" panose="020B0604030504040204" pitchFamily="34" charset="0"/>
+                <a:cs typeface="Verdana" panose="020B0604030504040204" pitchFamily="34" charset="0"/>
+              </a:rPr>
+              <a:t>AppWidgetProvider</a:t>
+            </a:r>
+            <a:endParaRPr lang="pl-PL" sz="2600" dirty="0">
+              <a:solidFill>
+                <a:schemeClr val="bg1"/>
+              </a:solidFill>
+              <a:latin typeface="Verdana" panose="020B0604030504040204" pitchFamily="34" charset="0"/>
+              <a:ea typeface="Verdana" panose="020B0604030504040204" pitchFamily="34" charset="0"/>
+              <a:cs typeface="Verdana" panose="020B0604030504040204" pitchFamily="34" charset="0"/>
+            </a:endParaRPr>
+          </a:p>
+        </p:txBody>
+      </p:sp>
+      <p:sp>
+        <p:nvSpPr>
+          <p:cNvPr id="6" name="Prostokąt 5">
+            <a:extLst>
+              <a:ext uri="{FF2B5EF4-FFF2-40B4-BE49-F238E27FC236}">
+                <a16:creationId xmlns:a16="http://schemas.microsoft.com/office/drawing/2014/main" id="{CA41B780-B57E-411C-AAD5-3D3D6912F664}"/>
+              </a:ext>
+            </a:extLst>
+          </p:cNvPr>
+          <p:cNvSpPr/>
+          <p:nvPr/>
+        </p:nvSpPr>
+        <p:spPr>
+          <a:xfrm>
+            <a:off x="0" y="810072"/>
+            <a:ext cx="9144000" cy="6021288"/>
+          </a:xfrm>
+          <a:prstGeom prst="rect">
+            <a:avLst/>
+          </a:prstGeom>
+          <a:solidFill>
+            <a:schemeClr val="tx1"/>
+          </a:solidFill>
+        </p:spPr>
+        <p:style>
+          <a:lnRef idx="1">
+            <a:schemeClr val="accent1"/>
+          </a:lnRef>
+          <a:fillRef idx="3">
+            <a:schemeClr val="accent1"/>
+          </a:fillRef>
+          <a:effectRef idx="2">
+            <a:schemeClr val="accent1"/>
+          </a:effectRef>
+          <a:fontRef idx="minor">
+            <a:schemeClr val="lt1"/>
+          </a:fontRef>
+        </p:style>
+        <p:txBody>
+          <a:bodyPr rtlCol="0" anchor="ctr"/>
+          <a:lstStyle/>
+          <a:p>
+            <a:pPr algn="ctr"/>
+            <a:endParaRPr lang="pl-PL"/>
+          </a:p>
+        </p:txBody>
+      </p:sp>
+      <p:pic>
+        <p:nvPicPr>
+          <p:cNvPr id="5" name="Obraz 4">
+            <a:extLst>
+              <a:ext uri="{FF2B5EF4-FFF2-40B4-BE49-F238E27FC236}">
+                <a16:creationId xmlns:a16="http://schemas.microsoft.com/office/drawing/2014/main" id="{B2350EEB-1F08-4852-BF71-200982358656}"/>
+              </a:ext>
+            </a:extLst>
+          </p:cNvPr>
+          <p:cNvPicPr>
+            <a:picLocks noChangeAspect="1"/>
+          </p:cNvPicPr>
+          <p:nvPr/>
+        </p:nvPicPr>
+        <p:blipFill>
+          <a:blip r:embed="rId4"/>
+          <a:stretch>
+            <a:fillRect/>
+          </a:stretch>
+        </p:blipFill>
+        <p:spPr>
+          <a:xfrm>
+            <a:off x="323528" y="810072"/>
+            <a:ext cx="8352928" cy="6057912"/>
+          </a:xfrm>
+          <a:prstGeom prst="rect">
+            <a:avLst/>
+          </a:prstGeom>
+        </p:spPr>
+      </p:pic>
+      <p:sp>
+        <p:nvSpPr>
+          <p:cNvPr id="3" name="pole tekstowe 2">
+            <a:extLst>
+              <a:ext uri="{FF2B5EF4-FFF2-40B4-BE49-F238E27FC236}">
+                <a16:creationId xmlns:a16="http://schemas.microsoft.com/office/drawing/2014/main" id="{4F940942-0D8E-4BFA-9BA2-D30BBD1D5B1D}"/>
+              </a:ext>
+            </a:extLst>
+          </p:cNvPr>
+          <p:cNvSpPr txBox="1"/>
+          <p:nvPr/>
+        </p:nvSpPr>
+        <p:spPr>
+          <a:xfrm>
+            <a:off x="4249978" y="4653136"/>
+            <a:ext cx="4660250" cy="338554"/>
+          </a:xfrm>
+          <a:prstGeom prst="rect">
+            <a:avLst/>
+          </a:prstGeom>
+          <a:noFill/>
+        </p:spPr>
+        <p:txBody>
+          <a:bodyPr wrap="none" rtlCol="0">
+            <a:spAutoFit/>
+          </a:bodyPr>
+          <a:lstStyle/>
+          <a:p>
+            <a:r>
+              <a:rPr lang="pl-PL" sz="1600" dirty="0">
+                <a:solidFill>
+                  <a:schemeClr val="bg1"/>
+                </a:solidFill>
+              </a:rPr>
+              <a:t>Umożliwia pokazanie layoutu na innym procesie</a:t>
+            </a:r>
+          </a:p>
+        </p:txBody>
+      </p:sp>
+    </p:spTree>
+    <p:extLst>
+      <p:ext uri="{BB962C8B-B14F-4D97-AF65-F5344CB8AC3E}">
+        <p14:creationId xmlns:p14="http://schemas.microsoft.com/office/powerpoint/2010/main" val="12643563"/>
+      </p:ext>
+    </p:extLst>
+  </p:cSld>
+  <p:clrMapOvr>
+    <a:masterClrMapping/>
+  </p:clrMapOvr>
+</p:sld>
+</file>
+
+<file path=ppt/slides/slide27.xml><?xml version="1.0" encoding="utf-8"?>
+<p:sld xmlns:a="http://schemas.openxmlformats.org/drawingml/2006/main" xmlns:r="http://schemas.openxmlformats.org/officeDocument/2006/relationships" xmlns:p="http://schemas.openxmlformats.org/presentationml/2006/main">
+  <p:cSld>
+    <p:bg>
+      <p:bgPr>
+        <a:blipFill dpi="0" rotWithShape="0">
+          <a:blip r:embed="rId3" cstate="print"/>
+          <a:srcRect/>
+          <a:stretch>
+            <a:fillRect/>
+          </a:stretch>
+        </a:blipFill>
+        <a:effectLst/>
+      </p:bgPr>
+    </p:bg>
+    <p:spTree>
+      <p:nvGrpSpPr>
+        <p:cNvPr id="1" name=""/>
+        <p:cNvGrpSpPr/>
+        <p:nvPr/>
+      </p:nvGrpSpPr>
+      <p:grpSpPr>
+        <a:xfrm>
+          <a:off x="0" y="0"/>
+          <a:ext cx="0" cy="0"/>
+          <a:chOff x="0" y="0"/>
+          <a:chExt cx="0" cy="0"/>
+        </a:xfrm>
+      </p:grpSpPr>
+      <p:sp>
+        <p:nvSpPr>
+          <p:cNvPr id="2" name="Rectangle 1"/>
+          <p:cNvSpPr/>
+          <p:nvPr/>
+        </p:nvSpPr>
+        <p:spPr>
+          <a:xfrm>
+            <a:off x="1979712" y="188640"/>
+            <a:ext cx="6696744" cy="492443"/>
+          </a:xfrm>
+          <a:prstGeom prst="rect">
+            <a:avLst/>
+          </a:prstGeom>
+        </p:spPr>
+        <p:txBody>
+          <a:bodyPr wrap="square">
+            <a:spAutoFit/>
+          </a:bodyPr>
+          <a:lstStyle/>
+          <a:p>
+            <a:pPr algn="ctr"/>
+            <a:r>
+              <a:rPr lang="pl-PL" sz="2600" dirty="0">
+                <a:solidFill>
+                  <a:schemeClr val="bg1"/>
+                </a:solidFill>
+                <a:latin typeface="Verdana" panose="020B0604030504040204" pitchFamily="34" charset="0"/>
+                <a:ea typeface="Verdana" panose="020B0604030504040204" pitchFamily="34" charset="0"/>
+                <a:cs typeface="Verdana" panose="020B0604030504040204" pitchFamily="34" charset="0"/>
+              </a:rPr>
+              <a:t>AppWidgetProviderInfo</a:t>
+            </a:r>
+          </a:p>
+        </p:txBody>
+      </p:sp>
+      <p:sp>
+        <p:nvSpPr>
+          <p:cNvPr id="6" name="Prostokąt 5">
+            <a:extLst>
+              <a:ext uri="{FF2B5EF4-FFF2-40B4-BE49-F238E27FC236}">
+                <a16:creationId xmlns:a16="http://schemas.microsoft.com/office/drawing/2014/main" id="{CA41B780-B57E-411C-AAD5-3D3D6912F664}"/>
+              </a:ext>
+            </a:extLst>
+          </p:cNvPr>
+          <p:cNvSpPr/>
+          <p:nvPr/>
+        </p:nvSpPr>
+        <p:spPr>
+          <a:xfrm>
+            <a:off x="0" y="810072"/>
+            <a:ext cx="9144000" cy="6021288"/>
+          </a:xfrm>
+          <a:prstGeom prst="rect">
+            <a:avLst/>
+          </a:prstGeom>
+          <a:solidFill>
+            <a:schemeClr val="tx1"/>
+          </a:solidFill>
+        </p:spPr>
+        <p:style>
+          <a:lnRef idx="1">
+            <a:schemeClr val="accent1"/>
+          </a:lnRef>
+          <a:fillRef idx="3">
+            <a:schemeClr val="accent1"/>
+          </a:fillRef>
+          <a:effectRef idx="2">
+            <a:schemeClr val="accent1"/>
+          </a:effectRef>
+          <a:fontRef idx="minor">
+            <a:schemeClr val="lt1"/>
+          </a:fontRef>
+        </p:style>
+        <p:txBody>
+          <a:bodyPr rtlCol="0" anchor="ctr"/>
+          <a:lstStyle/>
+          <a:p>
+            <a:pPr algn="ctr"/>
+            <a:endParaRPr lang="pl-PL"/>
+          </a:p>
+        </p:txBody>
+      </p:sp>
+      <p:pic>
+        <p:nvPicPr>
+          <p:cNvPr id="7" name="Obraz 6">
+            <a:extLst>
+              <a:ext uri="{FF2B5EF4-FFF2-40B4-BE49-F238E27FC236}">
+                <a16:creationId xmlns:a16="http://schemas.microsoft.com/office/drawing/2014/main" id="{765242DF-4448-4767-9A05-A70942F05B6B}"/>
+              </a:ext>
+            </a:extLst>
+          </p:cNvPr>
+          <p:cNvPicPr>
+            <a:picLocks noChangeAspect="1"/>
+          </p:cNvPicPr>
+          <p:nvPr/>
+        </p:nvPicPr>
+        <p:blipFill>
+          <a:blip r:embed="rId4"/>
+          <a:stretch>
+            <a:fillRect/>
+          </a:stretch>
+        </p:blipFill>
+        <p:spPr>
+          <a:xfrm>
+            <a:off x="224471" y="2132856"/>
+            <a:ext cx="8695057" cy="2819715"/>
+          </a:xfrm>
+          <a:prstGeom prst="rect">
+            <a:avLst/>
+          </a:prstGeom>
+        </p:spPr>
+      </p:pic>
+    </p:spTree>
+    <p:extLst>
+      <p:ext uri="{BB962C8B-B14F-4D97-AF65-F5344CB8AC3E}">
+        <p14:creationId xmlns:p14="http://schemas.microsoft.com/office/powerpoint/2010/main" val="1934878825"/>
+      </p:ext>
+    </p:extLst>
+  </p:cSld>
+  <p:clrMapOvr>
+    <a:masterClrMapping/>
+  </p:clrMapOvr>
+</p:sld>
+</file>
+
+<file path=ppt/slides/slide28.xml><?xml version="1.0" encoding="utf-8"?>
+<p:sld xmlns:a="http://schemas.openxmlformats.org/drawingml/2006/main" xmlns:r="http://schemas.openxmlformats.org/officeDocument/2006/relationships" xmlns:p="http://schemas.openxmlformats.org/presentationml/2006/main">
+  <p:cSld>
+    <p:bg>
+      <p:bgPr>
+        <a:blipFill dpi="0" rotWithShape="0">
+          <a:blip r:embed="rId3" cstate="print"/>
+          <a:srcRect/>
+          <a:stretch>
+            <a:fillRect/>
+          </a:stretch>
+        </a:blipFill>
+        <a:effectLst/>
+      </p:bgPr>
+    </p:bg>
+    <p:spTree>
+      <p:nvGrpSpPr>
+        <p:cNvPr id="1" name=""/>
+        <p:cNvGrpSpPr/>
+        <p:nvPr/>
+      </p:nvGrpSpPr>
+      <p:grpSpPr>
+        <a:xfrm>
+          <a:off x="0" y="0"/>
+          <a:ext cx="0" cy="0"/>
+          <a:chOff x="0" y="0"/>
+          <a:chExt cx="0" cy="0"/>
+        </a:xfrm>
+      </p:grpSpPr>
+      <p:sp>
+        <p:nvSpPr>
+          <p:cNvPr id="2" name="Rectangle 1"/>
+          <p:cNvSpPr/>
+          <p:nvPr/>
+        </p:nvSpPr>
+        <p:spPr>
+          <a:xfrm>
+            <a:off x="1979712" y="188640"/>
+            <a:ext cx="6696744" cy="492443"/>
+          </a:xfrm>
+          <a:prstGeom prst="rect">
+            <a:avLst/>
+          </a:prstGeom>
+        </p:spPr>
+        <p:txBody>
+          <a:bodyPr wrap="square">
+            <a:spAutoFit/>
+          </a:bodyPr>
+          <a:lstStyle/>
+          <a:p>
+            <a:pPr algn="ctr"/>
+            <a:r>
+              <a:rPr lang="pl-PL" sz="2600" dirty="0">
+                <a:solidFill>
+                  <a:schemeClr val="bg1"/>
+                </a:solidFill>
+                <a:latin typeface="Verdana" panose="020B0604030504040204" pitchFamily="34" charset="0"/>
+                <a:ea typeface="Verdana" panose="020B0604030504040204" pitchFamily="34" charset="0"/>
+                <a:cs typeface="Verdana" panose="020B0604030504040204" pitchFamily="34" charset="0"/>
+              </a:rPr>
+              <a:t>ContentProvider</a:t>
+            </a:r>
+          </a:p>
+        </p:txBody>
+      </p:sp>
+      <p:sp>
+        <p:nvSpPr>
+          <p:cNvPr id="6" name="Prostokąt 5">
+            <a:extLst>
+              <a:ext uri="{FF2B5EF4-FFF2-40B4-BE49-F238E27FC236}">
+                <a16:creationId xmlns:a16="http://schemas.microsoft.com/office/drawing/2014/main" id="{CA41B780-B57E-411C-AAD5-3D3D6912F664}"/>
+              </a:ext>
+            </a:extLst>
+          </p:cNvPr>
+          <p:cNvSpPr/>
+          <p:nvPr/>
+        </p:nvSpPr>
+        <p:spPr>
+          <a:xfrm>
+            <a:off x="0" y="810072"/>
+            <a:ext cx="9144000" cy="6021288"/>
+          </a:xfrm>
+          <a:prstGeom prst="rect">
+            <a:avLst/>
+          </a:prstGeom>
+          <a:solidFill>
+            <a:schemeClr val="tx1"/>
+          </a:solidFill>
+        </p:spPr>
+        <p:style>
+          <a:lnRef idx="1">
+            <a:schemeClr val="accent1"/>
+          </a:lnRef>
+          <a:fillRef idx="3">
+            <a:schemeClr val="accent1"/>
+          </a:fillRef>
+          <a:effectRef idx="2">
+            <a:schemeClr val="accent1"/>
+          </a:effectRef>
+          <a:fontRef idx="minor">
+            <a:schemeClr val="lt1"/>
+          </a:fontRef>
+        </p:style>
+        <p:txBody>
+          <a:bodyPr rtlCol="0" anchor="ctr"/>
+          <a:lstStyle/>
+          <a:p>
+            <a:pPr algn="ctr"/>
+            <a:endParaRPr lang="pl-PL"/>
+          </a:p>
+        </p:txBody>
+      </p:sp>
+      <p:pic>
+        <p:nvPicPr>
+          <p:cNvPr id="5" name="Obraz 4">
+            <a:extLst>
+              <a:ext uri="{FF2B5EF4-FFF2-40B4-BE49-F238E27FC236}">
+                <a16:creationId xmlns:a16="http://schemas.microsoft.com/office/drawing/2014/main" id="{72AF14CD-E72C-4F4B-9BBC-1140FB6CBA47}"/>
+              </a:ext>
+            </a:extLst>
+          </p:cNvPr>
+          <p:cNvPicPr>
+            <a:picLocks noChangeAspect="1"/>
+          </p:cNvPicPr>
+          <p:nvPr/>
+        </p:nvPicPr>
+        <p:blipFill>
+          <a:blip r:embed="rId4"/>
+          <a:stretch>
+            <a:fillRect/>
+          </a:stretch>
+        </p:blipFill>
+        <p:spPr>
+          <a:xfrm>
+            <a:off x="2123728" y="714211"/>
+            <a:ext cx="5688632" cy="6261492"/>
+          </a:xfrm>
+          <a:prstGeom prst="rect">
+            <a:avLst/>
+          </a:prstGeom>
+        </p:spPr>
+      </p:pic>
+    </p:spTree>
+    <p:extLst>
+      <p:ext uri="{BB962C8B-B14F-4D97-AF65-F5344CB8AC3E}">
+        <p14:creationId xmlns:p14="http://schemas.microsoft.com/office/powerpoint/2010/main" val="2244027253"/>
+      </p:ext>
+    </p:extLst>
+  </p:cSld>
+  <p:clrMapOvr>
+    <a:masterClrMapping/>
+  </p:clrMapOvr>
+</p:sld>
+</file>
+
+<file path=ppt/slides/slide29.xml><?xml version="1.0" encoding="utf-8"?>
+<p:sld xmlns:a="http://schemas.openxmlformats.org/drawingml/2006/main" xmlns:r="http://schemas.openxmlformats.org/officeDocument/2006/relationships" xmlns:p="http://schemas.openxmlformats.org/presentationml/2006/main">
+  <p:cSld>
+    <p:bg>
+      <p:bgPr>
+        <a:blipFill dpi="0" rotWithShape="0">
+          <a:blip r:embed="rId3" cstate="print"/>
+          <a:srcRect/>
+          <a:stretch>
+            <a:fillRect/>
+          </a:stretch>
+        </a:blipFill>
+        <a:effectLst/>
+      </p:bgPr>
+    </p:bg>
+    <p:spTree>
+      <p:nvGrpSpPr>
+        <p:cNvPr id="1" name=""/>
+        <p:cNvGrpSpPr/>
+        <p:nvPr/>
+      </p:nvGrpSpPr>
+      <p:grpSpPr>
+        <a:xfrm>
+          <a:off x="0" y="0"/>
+          <a:ext cx="0" cy="0"/>
+          <a:chOff x="0" y="0"/>
+          <a:chExt cx="0" cy="0"/>
+        </a:xfrm>
+      </p:grpSpPr>
+      <p:sp>
+        <p:nvSpPr>
+          <p:cNvPr id="2" name="Rectangle 1"/>
+          <p:cNvSpPr/>
+          <p:nvPr/>
+        </p:nvSpPr>
+        <p:spPr>
+          <a:xfrm>
+            <a:off x="1979712" y="188640"/>
+            <a:ext cx="6696744" cy="492443"/>
+          </a:xfrm>
+          <a:prstGeom prst="rect">
+            <a:avLst/>
+          </a:prstGeom>
+        </p:spPr>
+        <p:txBody>
+          <a:bodyPr wrap="square">
+            <a:spAutoFit/>
+          </a:bodyPr>
+          <a:lstStyle/>
+          <a:p>
+            <a:pPr algn="ctr"/>
+            <a:r>
+              <a:rPr lang="pl-PL" sz="2600" dirty="0">
+                <a:solidFill>
+                  <a:schemeClr val="bg1"/>
+                </a:solidFill>
+                <a:latin typeface="Verdana" panose="020B0604030504040204" pitchFamily="34" charset="0"/>
+                <a:ea typeface="Verdana" panose="020B0604030504040204" pitchFamily="34" charset="0"/>
+                <a:cs typeface="Verdana" panose="020B0604030504040204" pitchFamily="34" charset="0"/>
+              </a:rPr>
+              <a:t>BrodcastReceiver</a:t>
+            </a:r>
+          </a:p>
+        </p:txBody>
+      </p:sp>
+      <p:sp>
+        <p:nvSpPr>
+          <p:cNvPr id="6" name="Prostokąt 5">
+            <a:extLst>
+              <a:ext uri="{FF2B5EF4-FFF2-40B4-BE49-F238E27FC236}">
+                <a16:creationId xmlns:a16="http://schemas.microsoft.com/office/drawing/2014/main" id="{CA41B780-B57E-411C-AAD5-3D3D6912F664}"/>
+              </a:ext>
+            </a:extLst>
+          </p:cNvPr>
+          <p:cNvSpPr/>
+          <p:nvPr/>
+        </p:nvSpPr>
+        <p:spPr>
+          <a:xfrm>
+            <a:off x="0" y="810072"/>
+            <a:ext cx="9144000" cy="6021288"/>
+          </a:xfrm>
+          <a:prstGeom prst="rect">
+            <a:avLst/>
+          </a:prstGeom>
+          <a:solidFill>
+            <a:schemeClr val="tx1"/>
+          </a:solidFill>
+        </p:spPr>
+        <p:style>
+          <a:lnRef idx="1">
+            <a:schemeClr val="accent1"/>
+          </a:lnRef>
+          <a:fillRef idx="3">
+            <a:schemeClr val="accent1"/>
+          </a:fillRef>
+          <a:effectRef idx="2">
+            <a:schemeClr val="accent1"/>
+          </a:effectRef>
+          <a:fontRef idx="minor">
+            <a:schemeClr val="lt1"/>
+          </a:fontRef>
+        </p:style>
+        <p:txBody>
+          <a:bodyPr rtlCol="0" anchor="ctr"/>
+          <a:lstStyle/>
+          <a:p>
+            <a:pPr algn="ctr"/>
+            <a:endParaRPr lang="pl-PL"/>
+          </a:p>
+        </p:txBody>
+      </p:sp>
+      <p:pic>
+        <p:nvPicPr>
+          <p:cNvPr id="4" name="Obraz 3">
+            <a:extLst>
+              <a:ext uri="{FF2B5EF4-FFF2-40B4-BE49-F238E27FC236}">
+                <a16:creationId xmlns:a16="http://schemas.microsoft.com/office/drawing/2014/main" id="{C225BC34-A20C-48BE-A030-3F196B2ADB9B}"/>
+              </a:ext>
+            </a:extLst>
+          </p:cNvPr>
+          <p:cNvPicPr>
+            <a:picLocks noChangeAspect="1"/>
+          </p:cNvPicPr>
+          <p:nvPr/>
+        </p:nvPicPr>
+        <p:blipFill>
+          <a:blip r:embed="rId4"/>
+          <a:stretch>
+            <a:fillRect/>
+          </a:stretch>
+        </p:blipFill>
+        <p:spPr>
+          <a:xfrm>
+            <a:off x="179512" y="908720"/>
+            <a:ext cx="8367603" cy="2376264"/>
+          </a:xfrm>
+          <a:prstGeom prst="rect">
+            <a:avLst/>
+          </a:prstGeom>
+        </p:spPr>
+      </p:pic>
+      <p:pic>
+        <p:nvPicPr>
+          <p:cNvPr id="8" name="Obraz 7">
+            <a:extLst>
+              <a:ext uri="{FF2B5EF4-FFF2-40B4-BE49-F238E27FC236}">
+                <a16:creationId xmlns:a16="http://schemas.microsoft.com/office/drawing/2014/main" id="{9FEBFDAB-4D57-4075-9E6C-757F0DB2D7A6}"/>
+              </a:ext>
+            </a:extLst>
+          </p:cNvPr>
+          <p:cNvPicPr>
+            <a:picLocks noChangeAspect="1"/>
+          </p:cNvPicPr>
+          <p:nvPr/>
+        </p:nvPicPr>
+        <p:blipFill>
+          <a:blip r:embed="rId5"/>
+          <a:stretch>
+            <a:fillRect/>
+          </a:stretch>
+        </p:blipFill>
+        <p:spPr>
+          <a:xfrm>
+            <a:off x="755576" y="3573017"/>
+            <a:ext cx="7038975" cy="2962275"/>
+          </a:xfrm>
+          <a:prstGeom prst="rect">
+            <a:avLst/>
+          </a:prstGeom>
+        </p:spPr>
+      </p:pic>
+    </p:spTree>
+    <p:extLst>
+      <p:ext uri="{BB962C8B-B14F-4D97-AF65-F5344CB8AC3E}">
+        <p14:creationId xmlns:p14="http://schemas.microsoft.com/office/powerpoint/2010/main" val="3703322289"/>
       </p:ext>
     </p:extLst>
   </p:cSld>
